--- a/Andriod10/0_Intro_Pixel3_Andriod10.pptx
+++ b/Andriod10/0_Intro_Pixel3_Andriod10.pptx
@@ -5,7 +5,7 @@
     <p:sldMasterId id="2147483648" r:id="rId1"/>
   </p:sldMasterIdLst>
   <p:notesMasterIdLst>
-    <p:notesMasterId r:id="rId39"/>
+    <p:notesMasterId r:id="rId40"/>
   </p:notesMasterIdLst>
   <p:sldIdLst>
     <p:sldId id="256" r:id="rId2"/>
@@ -27,24 +27,25 @@
     <p:sldId id="276" r:id="rId18"/>
     <p:sldId id="337" r:id="rId19"/>
     <p:sldId id="339" r:id="rId20"/>
-    <p:sldId id="323" r:id="rId21"/>
-    <p:sldId id="265" r:id="rId22"/>
-    <p:sldId id="324" r:id="rId23"/>
-    <p:sldId id="325" r:id="rId24"/>
-    <p:sldId id="326" r:id="rId25"/>
-    <p:sldId id="266" r:id="rId26"/>
-    <p:sldId id="327" r:id="rId27"/>
-    <p:sldId id="329" r:id="rId28"/>
-    <p:sldId id="267" r:id="rId29"/>
-    <p:sldId id="328" r:id="rId30"/>
-    <p:sldId id="272" r:id="rId31"/>
-    <p:sldId id="277" r:id="rId32"/>
-    <p:sldId id="279" r:id="rId33"/>
-    <p:sldId id="280" r:id="rId34"/>
-    <p:sldId id="281" r:id="rId35"/>
-    <p:sldId id="269" r:id="rId36"/>
-    <p:sldId id="270" r:id="rId37"/>
-    <p:sldId id="271" r:id="rId38"/>
+    <p:sldId id="341" r:id="rId21"/>
+    <p:sldId id="323" r:id="rId22"/>
+    <p:sldId id="265" r:id="rId23"/>
+    <p:sldId id="324" r:id="rId24"/>
+    <p:sldId id="325" r:id="rId25"/>
+    <p:sldId id="326" r:id="rId26"/>
+    <p:sldId id="266" r:id="rId27"/>
+    <p:sldId id="327" r:id="rId28"/>
+    <p:sldId id="329" r:id="rId29"/>
+    <p:sldId id="267" r:id="rId30"/>
+    <p:sldId id="328" r:id="rId31"/>
+    <p:sldId id="272" r:id="rId32"/>
+    <p:sldId id="277" r:id="rId33"/>
+    <p:sldId id="279" r:id="rId34"/>
+    <p:sldId id="280" r:id="rId35"/>
+    <p:sldId id="281" r:id="rId36"/>
+    <p:sldId id="269" r:id="rId37"/>
+    <p:sldId id="270" r:id="rId38"/>
+    <p:sldId id="271" r:id="rId39"/>
   </p:sldIdLst>
   <p:sldSz cx="12192000" cy="6858000"/>
   <p:notesSz cx="6858000" cy="9144000"/>
@@ -154,7 +155,7 @@
 <file path=ppt/revisionInfo.xml><?xml version="1.0" encoding="utf-8"?>
 <p1510:revInfo xmlns:a="http://schemas.openxmlformats.org/drawingml/2006/main" xmlns:r="http://schemas.openxmlformats.org/officeDocument/2006/relationships" xmlns:p1510="http://schemas.microsoft.com/office/powerpoint/2015/10/main">
   <p1510:revLst>
-    <p1510:client id="{1E9D9EEB-2280-48C5-986B-B1BED2CFB035}" v="18" dt="2024-12-27T16:48:10.945"/>
+    <p1510:client id="{1E9D9EEB-2280-48C5-986B-B1BED2CFB035}" v="21" dt="2025-02-01T02:33:10.292"/>
   </p1510:revLst>
 </p1510:revInfo>
 </file>
@@ -1182,7 +1183,7 @@
   <pc:docChgLst>
     <pc:chgData name="Weifeng Xu" userId="e7aed605-a3dd-4d5a-a692-a87037af107b" providerId="ADAL" clId="{1E9D9EEB-2280-48C5-986B-B1BED2CFB035}"/>
     <pc:docChg chg="undo custSel addSld delSld modSld sldOrd">
-      <pc:chgData name="Weifeng Xu" userId="e7aed605-a3dd-4d5a-a692-a87037af107b" providerId="ADAL" clId="{1E9D9EEB-2280-48C5-986B-B1BED2CFB035}" dt="2024-12-29T01:09:35.131" v="1039" actId="20577"/>
+      <pc:chgData name="Weifeng Xu" userId="e7aed605-a3dd-4d5a-a692-a87037af107b" providerId="ADAL" clId="{1E9D9EEB-2280-48C5-986B-B1BED2CFB035}" dt="2025-02-01T17:21:46.270" v="1370" actId="1036"/>
       <pc:docMkLst>
         <pc:docMk/>
       </pc:docMkLst>
@@ -1217,13 +1218,13 @@
         </pc:picChg>
       </pc:sldChg>
       <pc:sldChg chg="modSp mod">
-        <pc:chgData name="Weifeng Xu" userId="e7aed605-a3dd-4d5a-a692-a87037af107b" providerId="ADAL" clId="{1E9D9EEB-2280-48C5-986B-B1BED2CFB035}" dt="2024-12-27T17:30:50.778" v="925" actId="6549"/>
+        <pc:chgData name="Weifeng Xu" userId="e7aed605-a3dd-4d5a-a692-a87037af107b" providerId="ADAL" clId="{1E9D9EEB-2280-48C5-986B-B1BED2CFB035}" dt="2025-02-01T01:43:06.803" v="1074" actId="20577"/>
         <pc:sldMkLst>
           <pc:docMk/>
           <pc:sldMk cId="1005714408" sldId="265"/>
         </pc:sldMkLst>
         <pc:spChg chg="mod">
-          <ac:chgData name="Weifeng Xu" userId="e7aed605-a3dd-4d5a-a692-a87037af107b" providerId="ADAL" clId="{1E9D9EEB-2280-48C5-986B-B1BED2CFB035}" dt="2024-12-27T17:30:50.778" v="925" actId="6549"/>
+          <ac:chgData name="Weifeng Xu" userId="e7aed605-a3dd-4d5a-a692-a87037af107b" providerId="ADAL" clId="{1E9D9EEB-2280-48C5-986B-B1BED2CFB035}" dt="2025-02-01T01:43:06.803" v="1074" actId="20577"/>
           <ac:spMkLst>
             <pc:docMk/>
             <pc:sldMk cId="1005714408" sldId="265"/>
@@ -1238,14 +1239,29 @@
             <ac:spMk id="4" creationId="{801A7380-951B-4617-9F33-2B2F70105770}"/>
           </ac:spMkLst>
         </pc:spChg>
-        <pc:picChg chg="mod modCrop">
-          <ac:chgData name="Weifeng Xu" userId="e7aed605-a3dd-4d5a-a692-a87037af107b" providerId="ADAL" clId="{1E9D9EEB-2280-48C5-986B-B1BED2CFB035}" dt="2024-12-26T20:49:41.615" v="237" actId="732"/>
+        <pc:picChg chg="mod ord modCrop">
+          <ac:chgData name="Weifeng Xu" userId="e7aed605-a3dd-4d5a-a692-a87037af107b" providerId="ADAL" clId="{1E9D9EEB-2280-48C5-986B-B1BED2CFB035}" dt="2025-02-01T01:43:01.602" v="1072" actId="167"/>
           <ac:picMkLst>
             <pc:docMk/>
             <pc:sldMk cId="1005714408" sldId="265"/>
             <ac:picMk id="3" creationId="{1E22D123-496D-42EB-9A6B-91D499E601E7}"/>
           </ac:picMkLst>
         </pc:picChg>
+      </pc:sldChg>
+      <pc:sldChg chg="modSp mod">
+        <pc:chgData name="Weifeng Xu" userId="e7aed605-a3dd-4d5a-a692-a87037af107b" providerId="ADAL" clId="{1E9D9EEB-2280-48C5-986B-B1BED2CFB035}" dt="2025-02-01T02:11:33.378" v="1157" actId="33524"/>
+        <pc:sldMkLst>
+          <pc:docMk/>
+          <pc:sldMk cId="2103126633" sldId="266"/>
+        </pc:sldMkLst>
+        <pc:spChg chg="mod">
+          <ac:chgData name="Weifeng Xu" userId="e7aed605-a3dd-4d5a-a692-a87037af107b" providerId="ADAL" clId="{1E9D9EEB-2280-48C5-986B-B1BED2CFB035}" dt="2025-02-01T02:11:33.378" v="1157" actId="33524"/>
+          <ac:spMkLst>
+            <pc:docMk/>
+            <pc:sldMk cId="2103126633" sldId="266"/>
+            <ac:spMk id="3" creationId="{B135DCB7-DD4E-4793-B040-EBB15CD7ED85}"/>
+          </ac:spMkLst>
+        </pc:spChg>
       </pc:sldChg>
       <pc:sldChg chg="addSp modSp mod">
         <pc:chgData name="Weifeng Xu" userId="e7aed605-a3dd-4d5a-a692-a87037af107b" providerId="ADAL" clId="{1E9D9EEB-2280-48C5-986B-B1BED2CFB035}" dt="2024-12-26T16:15:59.805" v="100" actId="208"/>
@@ -1303,7 +1319,7 @@
         </pc:cxnChg>
       </pc:sldChg>
       <pc:sldChg chg="addSp delSp modSp mod">
-        <pc:chgData name="Weifeng Xu" userId="e7aed605-a3dd-4d5a-a692-a87037af107b" providerId="ADAL" clId="{1E9D9EEB-2280-48C5-986B-B1BED2CFB035}" dt="2024-12-27T00:14:55.949" v="270" actId="404"/>
+        <pc:chgData name="Weifeng Xu" userId="e7aed605-a3dd-4d5a-a692-a87037af107b" providerId="ADAL" clId="{1E9D9EEB-2280-48C5-986B-B1BED2CFB035}" dt="2025-02-01T00:38:13.361" v="1040" actId="14100"/>
         <pc:sldMkLst>
           <pc:docMk/>
           <pc:sldMk cId="3821000861" sldId="275"/>
@@ -1333,7 +1349,7 @@
           </ac:spMkLst>
         </pc:spChg>
         <pc:picChg chg="add mod">
-          <ac:chgData name="Weifeng Xu" userId="e7aed605-a3dd-4d5a-a692-a87037af107b" providerId="ADAL" clId="{1E9D9EEB-2280-48C5-986B-B1BED2CFB035}" dt="2024-12-26T21:49:10.931" v="254" actId="1076"/>
+          <ac:chgData name="Weifeng Xu" userId="e7aed605-a3dd-4d5a-a692-a87037af107b" providerId="ADAL" clId="{1E9D9EEB-2280-48C5-986B-B1BED2CFB035}" dt="2025-02-01T00:38:13.361" v="1040" actId="14100"/>
           <ac:picMkLst>
             <pc:docMk/>
             <pc:sldMk cId="3821000861" sldId="275"/>
@@ -1371,18 +1387,72 @@
           </ac:spMkLst>
         </pc:spChg>
       </pc:sldChg>
+      <pc:sldChg chg="modSp mod modNotesTx">
+        <pc:chgData name="Weifeng Xu" userId="e7aed605-a3dd-4d5a-a692-a87037af107b" providerId="ADAL" clId="{1E9D9EEB-2280-48C5-986B-B1BED2CFB035}" dt="2025-02-01T17:18:54.760" v="1278" actId="6549"/>
+        <pc:sldMkLst>
+          <pc:docMk/>
+          <pc:sldMk cId="1554022807" sldId="290"/>
+        </pc:sldMkLst>
+        <pc:spChg chg="mod">
+          <ac:chgData name="Weifeng Xu" userId="e7aed605-a3dd-4d5a-a692-a87037af107b" providerId="ADAL" clId="{1E9D9EEB-2280-48C5-986B-B1BED2CFB035}" dt="2025-02-01T00:39:56.917" v="1043" actId="1076"/>
+          <ac:spMkLst>
+            <pc:docMk/>
+            <pc:sldMk cId="1554022807" sldId="290"/>
+            <ac:spMk id="8" creationId="{FE82097A-4B87-4A4E-B6E5-7745FD50457B}"/>
+          </ac:spMkLst>
+        </pc:spChg>
+        <pc:picChg chg="mod">
+          <ac:chgData name="Weifeng Xu" userId="e7aed605-a3dd-4d5a-a692-a87037af107b" providerId="ADAL" clId="{1E9D9EEB-2280-48C5-986B-B1BED2CFB035}" dt="2025-02-01T00:40:10.141" v="1050" actId="14100"/>
+          <ac:picMkLst>
+            <pc:docMk/>
+            <pc:sldMk cId="1554022807" sldId="290"/>
+            <ac:picMk id="4" creationId="{16DA0CAC-D5DB-4508-A4AB-9879F618F42F}"/>
+          </ac:picMkLst>
+        </pc:picChg>
+        <pc:cxnChg chg="mod">
+          <ac:chgData name="Weifeng Xu" userId="e7aed605-a3dd-4d5a-a692-a87037af107b" providerId="ADAL" clId="{1E9D9EEB-2280-48C5-986B-B1BED2CFB035}" dt="2025-02-01T00:40:14.312" v="1051" actId="14100"/>
+          <ac:cxnSpMkLst>
+            <pc:docMk/>
+            <pc:sldMk cId="1554022807" sldId="290"/>
+            <ac:cxnSpMk id="7" creationId="{57ACD962-88F0-4277-84F9-06B6C235233B}"/>
+          </ac:cxnSpMkLst>
+        </pc:cxnChg>
+      </pc:sldChg>
       <pc:sldChg chg="modSp mod">
-        <pc:chgData name="Weifeng Xu" userId="e7aed605-a3dd-4d5a-a692-a87037af107b" providerId="ADAL" clId="{1E9D9EEB-2280-48C5-986B-B1BED2CFB035}" dt="2024-12-26T20:45:03.617" v="235" actId="108"/>
+        <pc:chgData name="Weifeng Xu" userId="e7aed605-a3dd-4d5a-a692-a87037af107b" providerId="ADAL" clId="{1E9D9EEB-2280-48C5-986B-B1BED2CFB035}" dt="2025-02-01T16:15:40.211" v="1257" actId="27636"/>
         <pc:sldMkLst>
           <pc:docMk/>
           <pc:sldMk cId="4015681537" sldId="316"/>
         </pc:sldMkLst>
         <pc:spChg chg="mod">
-          <ac:chgData name="Weifeng Xu" userId="e7aed605-a3dd-4d5a-a692-a87037af107b" providerId="ADAL" clId="{1E9D9EEB-2280-48C5-986B-B1BED2CFB035}" dt="2024-12-26T20:45:03.617" v="235" actId="108"/>
+          <ac:chgData name="Weifeng Xu" userId="e7aed605-a3dd-4d5a-a692-a87037af107b" providerId="ADAL" clId="{1E9D9EEB-2280-48C5-986B-B1BED2CFB035}" dt="2025-02-01T16:15:40.211" v="1257" actId="27636"/>
           <ac:spMkLst>
             <pc:docMk/>
             <pc:sldMk cId="4015681537" sldId="316"/>
             <ac:spMk id="3" creationId="{B51AA8A5-F9F9-4D9E-8702-6E0F84B1E989}"/>
+          </ac:spMkLst>
+        </pc:spChg>
+      </pc:sldChg>
+      <pc:sldChg chg="addSp modSp mod">
+        <pc:chgData name="Weifeng Xu" userId="e7aed605-a3dd-4d5a-a692-a87037af107b" providerId="ADAL" clId="{1E9D9EEB-2280-48C5-986B-B1BED2CFB035}" dt="2025-02-01T16:15:06.323" v="1252" actId="14100"/>
+        <pc:sldMkLst>
+          <pc:docMk/>
+          <pc:sldMk cId="3632309167" sldId="317"/>
+        </pc:sldMkLst>
+        <pc:spChg chg="add mod">
+          <ac:chgData name="Weifeng Xu" userId="e7aed605-a3dd-4d5a-a692-a87037af107b" providerId="ADAL" clId="{1E9D9EEB-2280-48C5-986B-B1BED2CFB035}" dt="2025-02-01T16:13:30.143" v="1248" actId="1076"/>
+          <ac:spMkLst>
+            <pc:docMk/>
+            <pc:sldMk cId="3632309167" sldId="317"/>
+            <ac:spMk id="4" creationId="{9EA4C275-2056-53F1-0C1C-D087F9CB755A}"/>
+          </ac:spMkLst>
+        </pc:spChg>
+        <pc:spChg chg="add mod">
+          <ac:chgData name="Weifeng Xu" userId="e7aed605-a3dd-4d5a-a692-a87037af107b" providerId="ADAL" clId="{1E9D9EEB-2280-48C5-986B-B1BED2CFB035}" dt="2025-02-01T16:15:06.323" v="1252" actId="14100"/>
+          <ac:spMkLst>
+            <pc:docMk/>
+            <pc:sldMk cId="3632309167" sldId="317"/>
+            <ac:spMk id="7" creationId="{6966C267-B126-8099-2E06-F9ABA17C8FC9}"/>
           </ac:spMkLst>
         </pc:spChg>
       </pc:sldChg>
@@ -1409,18 +1479,78 @@
           </ac:spMkLst>
         </pc:spChg>
       </pc:sldChg>
-      <pc:sldChg chg="modSp mod">
-        <pc:chgData name="Weifeng Xu" userId="e7aed605-a3dd-4d5a-a692-a87037af107b" providerId="ADAL" clId="{1E9D9EEB-2280-48C5-986B-B1BED2CFB035}" dt="2024-12-27T14:24:40.443" v="562" actId="13926"/>
+      <pc:sldChg chg="modSp mod modNotesTx">
+        <pc:chgData name="Weifeng Xu" userId="e7aed605-a3dd-4d5a-a692-a87037af107b" providerId="ADAL" clId="{1E9D9EEB-2280-48C5-986B-B1BED2CFB035}" dt="2025-02-01T15:50:34.725" v="1244" actId="20577"/>
         <pc:sldMkLst>
           <pc:docMk/>
           <pc:sldMk cId="1474958626" sldId="324"/>
         </pc:sldMkLst>
         <pc:spChg chg="mod">
-          <ac:chgData name="Weifeng Xu" userId="e7aed605-a3dd-4d5a-a692-a87037af107b" providerId="ADAL" clId="{1E9D9EEB-2280-48C5-986B-B1BED2CFB035}" dt="2024-12-27T14:24:40.443" v="562" actId="13926"/>
+          <ac:chgData name="Weifeng Xu" userId="e7aed605-a3dd-4d5a-a692-a87037af107b" providerId="ADAL" clId="{1E9D9EEB-2280-48C5-986B-B1BED2CFB035}" dt="2025-02-01T15:50:34.725" v="1244" actId="20577"/>
           <ac:spMkLst>
             <pc:docMk/>
             <pc:sldMk cId="1474958626" sldId="324"/>
             <ac:spMk id="4" creationId="{801A7380-951B-4617-9F33-2B2F70105770}"/>
+          </ac:spMkLst>
+        </pc:spChg>
+      </pc:sldChg>
+      <pc:sldChg chg="modSp mod">
+        <pc:chgData name="Weifeng Xu" userId="e7aed605-a3dd-4d5a-a692-a87037af107b" providerId="ADAL" clId="{1E9D9EEB-2280-48C5-986B-B1BED2CFB035}" dt="2025-02-01T02:02:37.037" v="1155" actId="20577"/>
+        <pc:sldMkLst>
+          <pc:docMk/>
+          <pc:sldMk cId="953707264" sldId="325"/>
+        </pc:sldMkLst>
+        <pc:spChg chg="mod">
+          <ac:chgData name="Weifeng Xu" userId="e7aed605-a3dd-4d5a-a692-a87037af107b" providerId="ADAL" clId="{1E9D9EEB-2280-48C5-986B-B1BED2CFB035}" dt="2025-02-01T02:02:37.037" v="1155" actId="20577"/>
+          <ac:spMkLst>
+            <pc:docMk/>
+            <pc:sldMk cId="953707264" sldId="325"/>
+            <ac:spMk id="5" creationId="{23BA6565-A1B4-49B3-BE2B-068F91720F96}"/>
+          </ac:spMkLst>
+        </pc:spChg>
+      </pc:sldChg>
+      <pc:sldChg chg="modSp mod">
+        <pc:chgData name="Weifeng Xu" userId="e7aed605-a3dd-4d5a-a692-a87037af107b" providerId="ADAL" clId="{1E9D9EEB-2280-48C5-986B-B1BED2CFB035}" dt="2025-02-01T02:05:56.416" v="1156" actId="20577"/>
+        <pc:sldMkLst>
+          <pc:docMk/>
+          <pc:sldMk cId="4066713324" sldId="326"/>
+        </pc:sldMkLst>
+        <pc:spChg chg="mod">
+          <ac:chgData name="Weifeng Xu" userId="e7aed605-a3dd-4d5a-a692-a87037af107b" providerId="ADAL" clId="{1E9D9EEB-2280-48C5-986B-B1BED2CFB035}" dt="2025-02-01T02:05:56.416" v="1156" actId="20577"/>
+          <ac:spMkLst>
+            <pc:docMk/>
+            <pc:sldMk cId="4066713324" sldId="326"/>
+            <ac:spMk id="5" creationId="{23BA6565-A1B4-49B3-BE2B-068F91720F96}"/>
+          </ac:spMkLst>
+        </pc:spChg>
+      </pc:sldChg>
+      <pc:sldChg chg="modSp mod">
+        <pc:chgData name="Weifeng Xu" userId="e7aed605-a3dd-4d5a-a692-a87037af107b" providerId="ADAL" clId="{1E9D9EEB-2280-48C5-986B-B1BED2CFB035}" dt="2025-02-01T15:40:23.669" v="1218" actId="20577"/>
+        <pc:sldMkLst>
+          <pc:docMk/>
+          <pc:sldMk cId="1895418146" sldId="327"/>
+        </pc:sldMkLst>
+        <pc:spChg chg="mod">
+          <ac:chgData name="Weifeng Xu" userId="e7aed605-a3dd-4d5a-a692-a87037af107b" providerId="ADAL" clId="{1E9D9EEB-2280-48C5-986B-B1BED2CFB035}" dt="2025-02-01T15:40:23.669" v="1218" actId="20577"/>
+          <ac:spMkLst>
+            <pc:docMk/>
+            <pc:sldMk cId="1895418146" sldId="327"/>
+            <ac:spMk id="3" creationId="{B135DCB7-DD4E-4793-B040-EBB15CD7ED85}"/>
+          </ac:spMkLst>
+        </pc:spChg>
+      </pc:sldChg>
+      <pc:sldChg chg="modSp mod">
+        <pc:chgData name="Weifeng Xu" userId="e7aed605-a3dd-4d5a-a692-a87037af107b" providerId="ADAL" clId="{1E9D9EEB-2280-48C5-986B-B1BED2CFB035}" dt="2025-02-01T02:13:40.742" v="1169" actId="20577"/>
+        <pc:sldMkLst>
+          <pc:docMk/>
+          <pc:sldMk cId="4060086368" sldId="329"/>
+        </pc:sldMkLst>
+        <pc:spChg chg="mod">
+          <ac:chgData name="Weifeng Xu" userId="e7aed605-a3dd-4d5a-a692-a87037af107b" providerId="ADAL" clId="{1E9D9EEB-2280-48C5-986B-B1BED2CFB035}" dt="2025-02-01T02:13:40.742" v="1169" actId="20577"/>
+          <ac:spMkLst>
+            <pc:docMk/>
+            <pc:sldMk cId="4060086368" sldId="329"/>
+            <ac:spMk id="3" creationId="{680AF3C0-45D7-400B-B1B3-9C3534E78B11}"/>
           </ac:spMkLst>
         </pc:spChg>
       </pc:sldChg>
@@ -1516,8 +1646,8 @@
           <pc:sldMk cId="2954665604" sldId="338"/>
         </pc:sldMkLst>
       </pc:sldChg>
-      <pc:sldChg chg="modSp new mod ord">
-        <pc:chgData name="Weifeng Xu" userId="e7aed605-a3dd-4d5a-a692-a87037af107b" providerId="ADAL" clId="{1E9D9EEB-2280-48C5-986B-B1BED2CFB035}" dt="2024-12-29T00:40:10.917" v="974"/>
+      <pc:sldChg chg="addSp delSp modSp new mod ord">
+        <pc:chgData name="Weifeng Xu" userId="e7aed605-a3dd-4d5a-a692-a87037af107b" providerId="ADAL" clId="{1E9D9EEB-2280-48C5-986B-B1BED2CFB035}" dt="2025-02-01T17:21:46.270" v="1370" actId="1036"/>
         <pc:sldMkLst>
           <pc:docMk/>
           <pc:sldMk cId="868638738" sldId="339"/>
@@ -1531,11 +1661,51 @@
           </ac:spMkLst>
         </pc:spChg>
         <pc:spChg chg="mod">
-          <ac:chgData name="Weifeng Xu" userId="e7aed605-a3dd-4d5a-a692-a87037af107b" providerId="ADAL" clId="{1E9D9EEB-2280-48C5-986B-B1BED2CFB035}" dt="2024-12-27T17:00:37.452" v="910" actId="113"/>
+          <ac:chgData name="Weifeng Xu" userId="e7aed605-a3dd-4d5a-a692-a87037af107b" providerId="ADAL" clId="{1E9D9EEB-2280-48C5-986B-B1BED2CFB035}" dt="2025-02-01T17:21:25.943" v="1346" actId="20577"/>
           <ac:spMkLst>
             <pc:docMk/>
             <pc:sldMk cId="868638738" sldId="339"/>
             <ac:spMk id="3" creationId="{22D7A47B-75F1-C169-F32E-7CD228381357}"/>
+          </ac:spMkLst>
+        </pc:spChg>
+        <pc:spChg chg="add del">
+          <ac:chgData name="Weifeng Xu" userId="e7aed605-a3dd-4d5a-a692-a87037af107b" providerId="ADAL" clId="{1E9D9EEB-2280-48C5-986B-B1BED2CFB035}" dt="2025-02-01T02:32:15.783" v="1171" actId="11529"/>
+          <ac:spMkLst>
+            <pc:docMk/>
+            <pc:sldMk cId="868638738" sldId="339"/>
+            <ac:spMk id="4" creationId="{F84C3819-7103-075F-A648-F567012D0168}"/>
+          </ac:spMkLst>
+        </pc:spChg>
+        <pc:spChg chg="add">
+          <ac:chgData name="Weifeng Xu" userId="e7aed605-a3dd-4d5a-a692-a87037af107b" providerId="ADAL" clId="{1E9D9EEB-2280-48C5-986B-B1BED2CFB035}" dt="2025-02-01T02:32:23.849" v="1172" actId="11529"/>
+          <ac:spMkLst>
+            <pc:docMk/>
+            <pc:sldMk cId="868638738" sldId="339"/>
+            <ac:spMk id="5" creationId="{477FFEDF-6C40-4FAF-EE5C-CEA0A6544E54}"/>
+          </ac:spMkLst>
+        </pc:spChg>
+        <pc:spChg chg="add mod">
+          <ac:chgData name="Weifeng Xu" userId="e7aed605-a3dd-4d5a-a692-a87037af107b" providerId="ADAL" clId="{1E9D9EEB-2280-48C5-986B-B1BED2CFB035}" dt="2025-02-01T02:33:04.469" v="1198" actId="1076"/>
+          <ac:spMkLst>
+            <pc:docMk/>
+            <pc:sldMk cId="868638738" sldId="339"/>
+            <ac:spMk id="6" creationId="{FA7948AA-9F57-E1D7-DB09-86CA00F30953}"/>
+          </ac:spMkLst>
+        </pc:spChg>
+        <pc:spChg chg="add mod">
+          <ac:chgData name="Weifeng Xu" userId="e7aed605-a3dd-4d5a-a692-a87037af107b" providerId="ADAL" clId="{1E9D9EEB-2280-48C5-986B-B1BED2CFB035}" dt="2025-02-01T17:21:46.270" v="1370" actId="1036"/>
+          <ac:spMkLst>
+            <pc:docMk/>
+            <pc:sldMk cId="868638738" sldId="339"/>
+            <ac:spMk id="7" creationId="{AD200BB3-B542-17A6-E230-84E595228C36}"/>
+          </ac:spMkLst>
+        </pc:spChg>
+        <pc:spChg chg="add mod">
+          <ac:chgData name="Weifeng Xu" userId="e7aed605-a3dd-4d5a-a692-a87037af107b" providerId="ADAL" clId="{1E9D9EEB-2280-48C5-986B-B1BED2CFB035}" dt="2025-02-01T02:33:25.167" v="1207" actId="20577"/>
+          <ac:spMkLst>
+            <pc:docMk/>
+            <pc:sldMk cId="868638738" sldId="339"/>
+            <ac:spMk id="8" creationId="{08C0CC59-0DF2-E639-CB09-EF17EDC4E71B}"/>
           </ac:spMkLst>
         </pc:spChg>
       </pc:sldChg>
@@ -1561,6 +1731,53 @@
             <ac:spMk id="3" creationId="{8360C42A-BDA4-1300-081F-A638F3698042}"/>
           </ac:spMkLst>
         </pc:spChg>
+      </pc:sldChg>
+      <pc:sldChg chg="addSp delSp modSp new mod modClrScheme chgLayout">
+        <pc:chgData name="Weifeng Xu" userId="e7aed605-a3dd-4d5a-a692-a87037af107b" providerId="ADAL" clId="{1E9D9EEB-2280-48C5-986B-B1BED2CFB035}" dt="2025-02-01T17:17:23.855" v="1274" actId="1076"/>
+        <pc:sldMkLst>
+          <pc:docMk/>
+          <pc:sldMk cId="3304035788" sldId="341"/>
+        </pc:sldMkLst>
+        <pc:spChg chg="del mod ord">
+          <ac:chgData name="Weifeng Xu" userId="e7aed605-a3dd-4d5a-a692-a87037af107b" providerId="ADAL" clId="{1E9D9EEB-2280-48C5-986B-B1BED2CFB035}" dt="2025-02-01T17:16:01.802" v="1259" actId="700"/>
+          <ac:spMkLst>
+            <pc:docMk/>
+            <pc:sldMk cId="3304035788" sldId="341"/>
+            <ac:spMk id="2" creationId="{CDCB97F1-B702-0D63-BB14-393F023BB8CB}"/>
+          </ac:spMkLst>
+        </pc:spChg>
+        <pc:spChg chg="del">
+          <ac:chgData name="Weifeng Xu" userId="e7aed605-a3dd-4d5a-a692-a87037af107b" providerId="ADAL" clId="{1E9D9EEB-2280-48C5-986B-B1BED2CFB035}" dt="2025-02-01T17:16:01.802" v="1259" actId="700"/>
+          <ac:spMkLst>
+            <pc:docMk/>
+            <pc:sldMk cId="3304035788" sldId="341"/>
+            <ac:spMk id="3" creationId="{BB03849E-5F6D-6414-8F19-0BB3D7A21CE9}"/>
+          </ac:spMkLst>
+        </pc:spChg>
+        <pc:spChg chg="add del mod ord">
+          <ac:chgData name="Weifeng Xu" userId="e7aed605-a3dd-4d5a-a692-a87037af107b" providerId="ADAL" clId="{1E9D9EEB-2280-48C5-986B-B1BED2CFB035}" dt="2025-02-01T17:16:12.997" v="1260" actId="700"/>
+          <ac:spMkLst>
+            <pc:docMk/>
+            <pc:sldMk cId="3304035788" sldId="341"/>
+            <ac:spMk id="4" creationId="{08B9FF37-13E4-FFC4-B710-062BF57DBD21}"/>
+          </ac:spMkLst>
+        </pc:spChg>
+        <pc:spChg chg="add mod">
+          <ac:chgData name="Weifeng Xu" userId="e7aed605-a3dd-4d5a-a692-a87037af107b" providerId="ADAL" clId="{1E9D9EEB-2280-48C5-986B-B1BED2CFB035}" dt="2025-02-01T17:17:23.855" v="1274" actId="1076"/>
+          <ac:spMkLst>
+            <pc:docMk/>
+            <pc:sldMk cId="3304035788" sldId="341"/>
+            <ac:spMk id="8" creationId="{E0F86726-BAF7-B776-D98B-1F17FC47799D}"/>
+          </ac:spMkLst>
+        </pc:spChg>
+        <pc:picChg chg="add mod">
+          <ac:chgData name="Weifeng Xu" userId="e7aed605-a3dd-4d5a-a692-a87037af107b" providerId="ADAL" clId="{1E9D9EEB-2280-48C5-986B-B1BED2CFB035}" dt="2025-02-01T17:17:22.322" v="1273" actId="1076"/>
+          <ac:picMkLst>
+            <pc:docMk/>
+            <pc:sldMk cId="3304035788" sldId="341"/>
+            <ac:picMk id="6" creationId="{77592727-3D55-BC8D-56DF-BD9CDBC352B4}"/>
+          </ac:picMkLst>
+        </pc:picChg>
       </pc:sldChg>
     </pc:docChg>
   </pc:docChgLst>
@@ -4624,7 +4841,7 @@
           <a:p>
             <a:fld id="{EE41F6E3-57F9-402E-BDBA-5B2DE11C8530}" type="datetimeFigureOut">
               <a:rPr lang="en-US" smtClean="0"/>
-              <a:t>12/28/2024</a:t>
+              <a:t>2/1/2025</a:t>
             </a:fld>
             <a:endParaRPr lang="en-US"/>
           </a:p>
@@ -5023,15 +5240,48 @@
           <a:lstStyle/>
           <a:p>
             <a:r>
-              <a:rPr lang="en-US"/>
+              <a:rPr lang="en-US" dirty="0"/>
               <a:t>https://community.nxp.com/t5/i-MX-Processors-Knowledge-Base/The-Android-Booting-process/ta-p/1129182</a:t>
             </a:r>
           </a:p>
           <a:p>
             <a:r>
-              <a:rPr lang="en-US"/>
+              <a:rPr lang="en-US" dirty="0"/>
               <a:t>https://www.quora.com/How-does-Android-boot-process-work</a:t>
             </a:r>
+          </a:p>
+          <a:p>
+            <a:r>
+              <a:rPr lang="en-US" b="0" i="0" dirty="0">
+                <a:solidFill>
+                  <a:srgbClr val="001D35"/>
+                </a:solidFill>
+                <a:effectLst/>
+                <a:latin typeface="Google Sans"/>
+              </a:rPr>
+              <a:t>GNU </a:t>
+            </a:r>
+            <a:r>
+              <a:rPr lang="en-US" b="0" i="0" dirty="0" err="1">
+                <a:solidFill>
+                  <a:srgbClr val="001D35"/>
+                </a:solidFill>
+                <a:effectLst/>
+                <a:latin typeface="Google Sans"/>
+              </a:rPr>
+              <a:t>GRand</a:t>
+            </a:r>
+            <a:r>
+              <a:rPr lang="en-US" b="0" i="0" dirty="0">
+                <a:solidFill>
+                  <a:srgbClr val="001D35"/>
+                </a:solidFill>
+                <a:effectLst/>
+                <a:latin typeface="Google Sans"/>
+              </a:rPr>
+              <a:t> Unified Bootloader</a:t>
+            </a:r>
+            <a:endParaRPr lang="en-US" dirty="0"/>
           </a:p>
         </p:txBody>
       </p:sp>
@@ -5052,7 +5302,7 @@
           <a:p>
             <a:fld id="{DDBF98C7-164A-4723-84F0-B1E4B080DDEC}" type="slidenum">
               <a:rPr lang="en-US" smtClean="0"/>
-              <a:t>22</a:t>
+              <a:t>23</a:t>
             </a:fld>
             <a:endParaRPr lang="en-US"/>
           </a:p>
@@ -5143,7 +5393,7 @@
           <a:p>
             <a:fld id="{DDBF98C7-164A-4723-84F0-B1E4B080DDEC}" type="slidenum">
               <a:rPr lang="en-US" smtClean="0"/>
-              <a:t>25</a:t>
+              <a:t>26</a:t>
             </a:fld>
             <a:endParaRPr lang="en-US"/>
           </a:p>
@@ -5230,7 +5480,7 @@
           <a:p>
             <a:fld id="{DDBF98C7-164A-4723-84F0-B1E4B080DDEC}" type="slidenum">
               <a:rPr lang="en-US" smtClean="0"/>
-              <a:t>30</a:t>
+              <a:t>31</a:t>
             </a:fld>
             <a:endParaRPr lang="en-US"/>
           </a:p>
@@ -5326,7 +5576,7 @@
           <a:p>
             <a:fld id="{DDBF98C7-164A-4723-84F0-B1E4B080DDEC}" type="slidenum">
               <a:rPr lang="en-US" smtClean="0"/>
-              <a:t>32</a:t>
+              <a:t>33</a:t>
             </a:fld>
             <a:endParaRPr lang="en-US"/>
           </a:p>
@@ -5410,7 +5660,7 @@
           <a:p>
             <a:fld id="{DDBF98C7-164A-4723-84F0-B1E4B080DDEC}" type="slidenum">
               <a:rPr lang="en-US" smtClean="0"/>
-              <a:t>34</a:t>
+              <a:t>35</a:t>
             </a:fld>
             <a:endParaRPr lang="en-US"/>
           </a:p>
@@ -5494,7 +5744,7 @@
           <a:p>
             <a:fld id="{DDBF98C7-164A-4723-84F0-B1E4B080DDEC}" type="slidenum">
               <a:rPr lang="en-US" smtClean="0"/>
-              <a:t>36</a:t>
+              <a:t>37</a:t>
             </a:fld>
             <a:endParaRPr lang="en-US"/>
           </a:p>
@@ -5738,9 +5988,698 @@
           <a:lstStyle/>
           <a:p>
             <a:r>
-              <a:rPr lang="en-US"/>
+              <a:rPr lang="en-US" dirty="0"/>
               <a:t>https://source.android.com/setup/start/build-numbers</a:t>
             </a:r>
+          </a:p>
+          <a:p>
+            <a:endParaRPr lang="en-US" dirty="0"/>
+          </a:p>
+          <a:p>
+            <a:r>
+              <a:rPr lang="en-GB" dirty="0"/>
+              <a:t>Each stage of the Android boot process involves completing specific tasks, preparing for the next stage, and then handing over control to the subsequent stage. Here's a breakdown of how this works across the key stages:</a:t>
+            </a:r>
+          </a:p>
+          <a:p>
+            <a:endParaRPr lang="en-GB" dirty="0"/>
+          </a:p>
+          <a:p>
+            <a:r>
+              <a:rPr lang="en-GB" dirty="0"/>
+              <a:t>---</a:t>
+            </a:r>
+          </a:p>
+          <a:p>
+            <a:endParaRPr lang="en-GB" dirty="0"/>
+          </a:p>
+          <a:p>
+            <a:r>
+              <a:rPr lang="en-GB" dirty="0"/>
+              <a:t>### **1. Boot ROM (Read-Only Memory)**  </a:t>
+            </a:r>
+          </a:p>
+          <a:p>
+            <a:r>
+              <a:rPr lang="en-GB" dirty="0"/>
+              <a:t>- **Tasks Completed**:  </a:t>
+            </a:r>
+          </a:p>
+          <a:p>
+            <a:r>
+              <a:rPr lang="en-GB" dirty="0"/>
+              <a:t>  - Executes when the device is powered on.  </a:t>
+            </a:r>
+          </a:p>
+          <a:p>
+            <a:r>
+              <a:rPr lang="en-GB" dirty="0"/>
+              <a:t>  - Detects the boot media (e.g., internal storage or external memory) to locate the bootloader.  </a:t>
+            </a:r>
+          </a:p>
+          <a:p>
+            <a:r>
+              <a:rPr lang="en-GB" dirty="0"/>
+              <a:t>  - Loads the first-stage bootloader into RAM.  </a:t>
+            </a:r>
+          </a:p>
+          <a:p>
+            <a:endParaRPr lang="en-GB" dirty="0"/>
+          </a:p>
+          <a:p>
+            <a:r>
+              <a:rPr lang="en-GB" dirty="0"/>
+              <a:t>- **Preparation for Next Stage**:  </a:t>
+            </a:r>
+          </a:p>
+          <a:p>
+            <a:r>
+              <a:rPr lang="en-GB" dirty="0"/>
+              <a:t>  - Initializes minimal hardware components (e.g., CPU, clocks).  </a:t>
+            </a:r>
+          </a:p>
+          <a:p>
+            <a:r>
+              <a:rPr lang="en-GB" dirty="0"/>
+              <a:t>  - Ensures external RAM is ready for use.  </a:t>
+            </a:r>
+          </a:p>
+          <a:p>
+            <a:endParaRPr lang="en-GB" dirty="0"/>
+          </a:p>
+          <a:p>
+            <a:r>
+              <a:rPr lang="en-GB" dirty="0"/>
+              <a:t>- **Control Transfer**:  </a:t>
+            </a:r>
+          </a:p>
+          <a:p>
+            <a:r>
+              <a:rPr lang="en-GB" dirty="0"/>
+              <a:t>  - Hands control to the **bootloader**.</a:t>
+            </a:r>
+          </a:p>
+          <a:p>
+            <a:endParaRPr lang="en-GB" dirty="0"/>
+          </a:p>
+          <a:p>
+            <a:r>
+              <a:rPr lang="en-GB" dirty="0"/>
+              <a:t>---</a:t>
+            </a:r>
+          </a:p>
+          <a:p>
+            <a:endParaRPr lang="en-GB" dirty="0"/>
+          </a:p>
+          <a:p>
+            <a:r>
+              <a:rPr lang="en-GB" dirty="0"/>
+              <a:t>### **2. Bootloader**  </a:t>
+            </a:r>
+          </a:p>
+          <a:p>
+            <a:r>
+              <a:rPr lang="en-GB" dirty="0"/>
+              <a:t>- **Tasks Completed**:  </a:t>
+            </a:r>
+          </a:p>
+          <a:p>
+            <a:r>
+              <a:rPr lang="en-GB" dirty="0"/>
+              <a:t>  - Sets up initial memory configurations.  </a:t>
+            </a:r>
+          </a:p>
+          <a:p>
+            <a:r>
+              <a:rPr lang="en-GB" dirty="0"/>
+              <a:t>  - Loads the Linux kernel and its associated RAM disk (temporary file system) into memory.  </a:t>
+            </a:r>
+          </a:p>
+          <a:p>
+            <a:r>
+              <a:rPr lang="en-GB" dirty="0"/>
+              <a:t>  - Handles security checks (e.g., locked/unlocked bootloader).  </a:t>
+            </a:r>
+          </a:p>
+          <a:p>
+            <a:endParaRPr lang="en-GB" dirty="0"/>
+          </a:p>
+          <a:p>
+            <a:r>
+              <a:rPr lang="en-GB" dirty="0"/>
+              <a:t>- **Preparation for Next Stage**:  </a:t>
+            </a:r>
+          </a:p>
+          <a:p>
+            <a:r>
+              <a:rPr lang="en-GB" dirty="0"/>
+              <a:t>  - Configures file systems, additional memory, and low-level security options.  </a:t>
+            </a:r>
+          </a:p>
+          <a:p>
+            <a:r>
+              <a:rPr lang="en-GB" dirty="0"/>
+              <a:t>  - Prepares the environment for the kernel to execute.  </a:t>
+            </a:r>
+          </a:p>
+          <a:p>
+            <a:endParaRPr lang="en-GB" dirty="0"/>
+          </a:p>
+          <a:p>
+            <a:r>
+              <a:rPr lang="en-GB" dirty="0"/>
+              <a:t>- **Control Transfer**:  </a:t>
+            </a:r>
+          </a:p>
+          <a:p>
+            <a:r>
+              <a:rPr lang="en-GB" dirty="0"/>
+              <a:t>  - Jumps to the **Linux kernel** after decompressing it in memory.</a:t>
+            </a:r>
+          </a:p>
+          <a:p>
+            <a:endParaRPr lang="en-GB" dirty="0"/>
+          </a:p>
+          <a:p>
+            <a:r>
+              <a:rPr lang="en-GB" dirty="0"/>
+              <a:t>---</a:t>
+            </a:r>
+          </a:p>
+          <a:p>
+            <a:endParaRPr lang="en-GB" dirty="0"/>
+          </a:p>
+          <a:p>
+            <a:r>
+              <a:rPr lang="en-GB" dirty="0"/>
+              <a:t>### **3. Linux Kernel**  </a:t>
+            </a:r>
+          </a:p>
+          <a:p>
+            <a:r>
+              <a:rPr lang="en-GB" dirty="0"/>
+              <a:t>- **Tasks Completed**:  </a:t>
+            </a:r>
+          </a:p>
+          <a:p>
+            <a:r>
+              <a:rPr lang="en-GB" dirty="0"/>
+              <a:t>  - Initializes hardware drivers (e.g., interrupt controllers, memory management units, caches).  </a:t>
+            </a:r>
+          </a:p>
+          <a:p>
+            <a:r>
+              <a:rPr lang="en-GB" dirty="0"/>
+              <a:t>  - Sets up virtual memory and scheduling mechanisms.  </a:t>
+            </a:r>
+          </a:p>
+          <a:p>
+            <a:endParaRPr lang="en-GB" dirty="0"/>
+          </a:p>
+          <a:p>
+            <a:r>
+              <a:rPr lang="en-GB" dirty="0"/>
+              <a:t>- **Preparation for Next Stage**:  </a:t>
+            </a:r>
+          </a:p>
+          <a:p>
+            <a:r>
+              <a:rPr lang="en-GB" dirty="0"/>
+              <a:t>  - Mounts the root file system.  </a:t>
+            </a:r>
+          </a:p>
+          <a:p>
+            <a:r>
+              <a:rPr lang="en-GB" dirty="0"/>
+              <a:t>  - Locates the `</a:t>
+            </a:r>
+            <a:r>
+              <a:rPr lang="en-GB" dirty="0" err="1"/>
+              <a:t>init</a:t>
+            </a:r>
+            <a:r>
+              <a:rPr lang="en-GB" dirty="0"/>
+              <a:t>` process (found in `/system/core/</a:t>
+            </a:r>
+            <a:r>
+              <a:rPr lang="en-GB" dirty="0" err="1"/>
+              <a:t>init</a:t>
+            </a:r>
+            <a:r>
+              <a:rPr lang="en-GB" dirty="0"/>
+              <a:t>`) to serve as the first user-space process.  </a:t>
+            </a:r>
+          </a:p>
+          <a:p>
+            <a:endParaRPr lang="en-GB" dirty="0"/>
+          </a:p>
+          <a:p>
+            <a:r>
+              <a:rPr lang="en-GB" dirty="0"/>
+              <a:t>- **Control Transfer**:  </a:t>
+            </a:r>
+          </a:p>
+          <a:p>
+            <a:r>
+              <a:rPr lang="en-GB" dirty="0"/>
+              <a:t>  - Passes control to the **</a:t>
+            </a:r>
+            <a:r>
+              <a:rPr lang="en-GB" dirty="0" err="1"/>
+              <a:t>init</a:t>
+            </a:r>
+            <a:r>
+              <a:rPr lang="en-GB" dirty="0"/>
+              <a:t> process**.</a:t>
+            </a:r>
+          </a:p>
+          <a:p>
+            <a:endParaRPr lang="en-GB" dirty="0"/>
+          </a:p>
+          <a:p>
+            <a:r>
+              <a:rPr lang="en-GB" dirty="0"/>
+              <a:t>---</a:t>
+            </a:r>
+          </a:p>
+          <a:p>
+            <a:endParaRPr lang="en-GB" dirty="0"/>
+          </a:p>
+          <a:p>
+            <a:r>
+              <a:rPr lang="en-GB" dirty="0"/>
+              <a:t>### **4. Init Process**  </a:t>
+            </a:r>
+          </a:p>
+          <a:p>
+            <a:r>
+              <a:rPr lang="en-GB" dirty="0"/>
+              <a:t>- **Tasks Completed**:  </a:t>
+            </a:r>
+          </a:p>
+          <a:p>
+            <a:r>
+              <a:rPr lang="en-GB" dirty="0"/>
+              <a:t>  - Parses initialization scripts (`</a:t>
+            </a:r>
+            <a:r>
+              <a:rPr lang="en-GB" dirty="0" err="1"/>
+              <a:t>init.rc</a:t>
+            </a:r>
+            <a:r>
+              <a:rPr lang="en-GB" dirty="0"/>
+              <a:t>` or `</a:t>
+            </a:r>
+            <a:r>
+              <a:rPr lang="en-GB" dirty="0" err="1"/>
+              <a:t>init</a:t>
+            </a:r>
+            <a:r>
+              <a:rPr lang="en-GB" dirty="0"/>
+              <a:t>&lt;machine name&gt;.</a:t>
+            </a:r>
+            <a:r>
+              <a:rPr lang="en-GB" dirty="0" err="1"/>
+              <a:t>rc</a:t>
+            </a:r>
+            <a:r>
+              <a:rPr lang="en-GB" dirty="0"/>
+              <a:t>`).  </a:t>
+            </a:r>
+          </a:p>
+          <a:p>
+            <a:r>
+              <a:rPr lang="en-GB" dirty="0"/>
+              <a:t>  - Sets up system services, file systems, and other parameters defined in the script.  </a:t>
+            </a:r>
+          </a:p>
+          <a:p>
+            <a:endParaRPr lang="en-GB" dirty="0"/>
+          </a:p>
+          <a:p>
+            <a:r>
+              <a:rPr lang="en-GB" dirty="0"/>
+              <a:t>- **Preparation for Next Stage**:  </a:t>
+            </a:r>
+          </a:p>
+          <a:p>
+            <a:r>
+              <a:rPr lang="en-GB" dirty="0"/>
+              <a:t>  - Launches core system services and processes.  </a:t>
+            </a:r>
+          </a:p>
+          <a:p>
+            <a:r>
+              <a:rPr lang="en-GB" dirty="0"/>
+              <a:t>  - Starts the **Zygote process**, which preloads common application classes and initializes the Dalvik/ART runtime.  </a:t>
+            </a:r>
+          </a:p>
+          <a:p>
+            <a:endParaRPr lang="en-GB" dirty="0"/>
+          </a:p>
+          <a:p>
+            <a:r>
+              <a:rPr lang="en-GB" dirty="0"/>
+              <a:t>- **Control Transfer**:  </a:t>
+            </a:r>
+          </a:p>
+          <a:p>
+            <a:r>
+              <a:rPr lang="en-GB" dirty="0"/>
+              <a:t>  - Hands control to the **Zygote process**.</a:t>
+            </a:r>
+          </a:p>
+          <a:p>
+            <a:endParaRPr lang="en-GB" dirty="0"/>
+          </a:p>
+          <a:p>
+            <a:r>
+              <a:rPr lang="en-GB" dirty="0"/>
+              <a:t>---</a:t>
+            </a:r>
+          </a:p>
+          <a:p>
+            <a:endParaRPr lang="en-GB" dirty="0"/>
+          </a:p>
+          <a:p>
+            <a:r>
+              <a:rPr lang="en-GB" dirty="0"/>
+              <a:t>### **5. Zygote and Dalvik/ART**  </a:t>
+            </a:r>
+          </a:p>
+          <a:p>
+            <a:r>
+              <a:rPr lang="en-GB" dirty="0"/>
+              <a:t>- **Tasks Completed**:  </a:t>
+            </a:r>
+          </a:p>
+          <a:p>
+            <a:r>
+              <a:rPr lang="en-GB" dirty="0"/>
+              <a:t>  - Preloads common application classes and resources into memory.  </a:t>
+            </a:r>
+          </a:p>
+          <a:p>
+            <a:r>
+              <a:rPr lang="en-GB" dirty="0"/>
+              <a:t>  - Initializes the Android Runtime (ART) or Dalvik Virtual Machine (DVM).  </a:t>
+            </a:r>
+          </a:p>
+          <a:p>
+            <a:endParaRPr lang="en-GB" dirty="0"/>
+          </a:p>
+          <a:p>
+            <a:r>
+              <a:rPr lang="en-GB" dirty="0"/>
+              <a:t>- **Preparation for Next Stage**:  </a:t>
+            </a:r>
+          </a:p>
+          <a:p>
+            <a:r>
+              <a:rPr lang="en-GB" dirty="0"/>
+              <a:t>  - Speeds up app launches by sharing preloaded code across all apps.  </a:t>
+            </a:r>
+          </a:p>
+          <a:p>
+            <a:r>
+              <a:rPr lang="en-GB" dirty="0"/>
+              <a:t>  - Prepares the environment for launching the **System Server**.  </a:t>
+            </a:r>
+          </a:p>
+          <a:p>
+            <a:endParaRPr lang="en-GB" dirty="0"/>
+          </a:p>
+          <a:p>
+            <a:r>
+              <a:rPr lang="en-GB" dirty="0"/>
+              <a:t>- **Control Transfer**:  </a:t>
+            </a:r>
+          </a:p>
+          <a:p>
+            <a:r>
+              <a:rPr lang="en-GB" dirty="0"/>
+              <a:t>  - Passes control to the **System Server**.</a:t>
+            </a:r>
+          </a:p>
+          <a:p>
+            <a:endParaRPr lang="en-GB" dirty="0"/>
+          </a:p>
+          <a:p>
+            <a:r>
+              <a:rPr lang="en-GB" dirty="0"/>
+              <a:t>---</a:t>
+            </a:r>
+          </a:p>
+          <a:p>
+            <a:endParaRPr lang="en-GB" dirty="0"/>
+          </a:p>
+          <a:p>
+            <a:r>
+              <a:rPr lang="en-GB" dirty="0"/>
+              <a:t>### **6. System Server**  </a:t>
+            </a:r>
+          </a:p>
+          <a:p>
+            <a:r>
+              <a:rPr lang="en-GB" dirty="0"/>
+              <a:t>- **Tasks Completed**:  </a:t>
+            </a:r>
+          </a:p>
+          <a:p>
+            <a:r>
+              <a:rPr lang="en-GB" dirty="0"/>
+              <a:t>  - Starts core Android services:  </a:t>
+            </a:r>
+          </a:p>
+          <a:p>
+            <a:r>
+              <a:rPr lang="en-GB" dirty="0"/>
+              <a:t>    - Activity Manager, Package Manager, Window Manager, etc.  </a:t>
+            </a:r>
+          </a:p>
+          <a:p>
+            <a:r>
+              <a:rPr lang="en-GB" dirty="0"/>
+              <a:t>    - Telephony registry, alarm manager, sensor service, Bluetooth service, etc.  </a:t>
+            </a:r>
+          </a:p>
+          <a:p>
+            <a:r>
+              <a:rPr lang="en-GB" dirty="0"/>
+              <a:t>  - Manages system-wide functionalities like notifications, location services, and audio settings.  </a:t>
+            </a:r>
+          </a:p>
+          <a:p>
+            <a:endParaRPr lang="en-GB" dirty="0"/>
+          </a:p>
+          <a:p>
+            <a:r>
+              <a:rPr lang="en-GB" dirty="0"/>
+              <a:t>- **Preparation for Next Stage**:  </a:t>
+            </a:r>
+          </a:p>
+          <a:p>
+            <a:r>
+              <a:rPr lang="en-GB" dirty="0"/>
+              <a:t>  - Completes the initialization of the Android framework.  </a:t>
+            </a:r>
+          </a:p>
+          <a:p>
+            <a:r>
+              <a:rPr lang="en-GB" dirty="0"/>
+              <a:t>  - Broadcasts the `ACTION_BOOT_COMPLETED` intent to signal that the boot process is complete.  </a:t>
+            </a:r>
+          </a:p>
+          <a:p>
+            <a:endParaRPr lang="en-GB" dirty="0"/>
+          </a:p>
+          <a:p>
+            <a:r>
+              <a:rPr lang="en-GB" dirty="0"/>
+              <a:t>- **Control Transfer**:  </a:t>
+            </a:r>
+          </a:p>
+          <a:p>
+            <a:r>
+              <a:rPr lang="en-GB" dirty="0"/>
+              <a:t>  - Allows third-party apps and services to start running by responding to the `ACTION_BOOT_COMPLETED` broadcast.</a:t>
+            </a:r>
+          </a:p>
+          <a:p>
+            <a:endParaRPr lang="en-GB" dirty="0"/>
+          </a:p>
+          <a:p>
+            <a:r>
+              <a:rPr lang="en-GB" dirty="0"/>
+              <a:t>---</a:t>
+            </a:r>
+          </a:p>
+          <a:p>
+            <a:endParaRPr lang="en-GB" dirty="0"/>
+          </a:p>
+          <a:p>
+            <a:r>
+              <a:rPr lang="en-GB" dirty="0"/>
+              <a:t>### **7. User-Space Services and Apps**  </a:t>
+            </a:r>
+          </a:p>
+          <a:p>
+            <a:r>
+              <a:rPr lang="en-GB" dirty="0"/>
+              <a:t>- **Tasks Completed**:  </a:t>
+            </a:r>
+          </a:p>
+          <a:p>
+            <a:r>
+              <a:rPr lang="en-GB" dirty="0"/>
+              <a:t>  - Third-party apps and services register to receive the `ACTION_BOOT_COMPLETED` broadcast.  </a:t>
+            </a:r>
+          </a:p>
+          <a:p>
+            <a:r>
+              <a:rPr lang="en-GB" dirty="0"/>
+              <a:t>  - Custom services or apps can perform actions (e.g., setting alarms, initializing background tasks).  </a:t>
+            </a:r>
+          </a:p>
+          <a:p>
+            <a:endParaRPr lang="en-GB" dirty="0"/>
+          </a:p>
+          <a:p>
+            <a:r>
+              <a:rPr lang="en-GB" dirty="0"/>
+              <a:t>- **Preparation for Next Stage**:  </a:t>
+            </a:r>
+          </a:p>
+          <a:p>
+            <a:r>
+              <a:rPr lang="en-GB" dirty="0"/>
+              <a:t>  - The system is now fully operational, and the user interface is ready for interaction.  </a:t>
+            </a:r>
+          </a:p>
+          <a:p>
+            <a:endParaRPr lang="en-GB" dirty="0"/>
+          </a:p>
+          <a:p>
+            <a:r>
+              <a:rPr lang="en-GB" dirty="0"/>
+              <a:t>- **Control Transfer**:  </a:t>
+            </a:r>
+          </a:p>
+          <a:p>
+            <a:r>
+              <a:rPr lang="en-GB" dirty="0"/>
+              <a:t>  - Control is handed over to the user, who can interact with the device.</a:t>
+            </a:r>
+          </a:p>
+          <a:p>
+            <a:endParaRPr lang="en-GB" dirty="0"/>
+          </a:p>
+          <a:p>
+            <a:r>
+              <a:rPr lang="en-GB" dirty="0"/>
+              <a:t>---</a:t>
+            </a:r>
+          </a:p>
+          <a:p>
+            <a:endParaRPr lang="en-GB" dirty="0"/>
+          </a:p>
+          <a:p>
+            <a:r>
+              <a:rPr lang="en-GB" dirty="0"/>
+              <a:t>### Summary Table of Boot Process Stages</a:t>
+            </a:r>
+          </a:p>
+          <a:p>
+            <a:endParaRPr lang="en-GB" dirty="0"/>
+          </a:p>
+          <a:p>
+            <a:r>
+              <a:rPr lang="en-GB" dirty="0"/>
+              <a:t>| **Stage**            | **Tasks Completed**                                                                 | **Preparation for Next Stage**                                   | **Control Transfer**           |</a:t>
+            </a:r>
+          </a:p>
+          <a:p>
+            <a:r>
+              <a:rPr lang="en-GB" dirty="0"/>
+              <a:t>|-----------------------|-------------------------------------------------------------------------------------|------------------------------------------------------------------|---------------------------------|</a:t>
+            </a:r>
+          </a:p>
+          <a:p>
+            <a:r>
+              <a:rPr lang="en-GB" dirty="0"/>
+              <a:t>| **Boot ROM**          | Detects boot media, loads bootloader                                               | Initializes minimal hardware                                     | Bootloader                     |</a:t>
+            </a:r>
+          </a:p>
+          <a:p>
+            <a:r>
+              <a:rPr lang="en-GB" dirty="0"/>
+              <a:t>| **Bootloader**        | Loads kernel and RAM disk, handles security                                        | Configures memory, file systems, and low-level settings          | Linux Kernel                   |</a:t>
+            </a:r>
+          </a:p>
+          <a:p>
+            <a:r>
+              <a:rPr lang="en-GB" dirty="0"/>
+              <a:t>| **Linux Kernel**      | Initializes hardware drivers, sets up memory management                            | Mounts root file system, locates `</a:t>
+            </a:r>
+            <a:r>
+              <a:rPr lang="en-GB" dirty="0" err="1"/>
+              <a:t>init</a:t>
+            </a:r>
+            <a:r>
+              <a:rPr lang="en-GB" dirty="0"/>
+              <a:t>` process                  | Init Process                   |</a:t>
+            </a:r>
+          </a:p>
+          <a:p>
+            <a:r>
+              <a:rPr lang="en-GB" dirty="0"/>
+              <a:t>| **Init Process**      | Parses `</a:t>
+            </a:r>
+            <a:r>
+              <a:rPr lang="en-GB" dirty="0" err="1"/>
+              <a:t>init.rc</a:t>
+            </a:r>
+            <a:r>
+              <a:rPr lang="en-GB" dirty="0"/>
+              <a:t>`, starts core services                                              | Launches Zygote process                                          | Zygote                         |</a:t>
+            </a:r>
+          </a:p>
+          <a:p>
+            <a:r>
+              <a:rPr lang="en-GB" dirty="0"/>
+              <a:t>| **Zygote**            | Preloads app classes, initializes ART/Dalvik                                       | Prepares environment for System Server                          | System Server                  |</a:t>
+            </a:r>
+          </a:p>
+          <a:p>
+            <a:r>
+              <a:rPr lang="en-GB" dirty="0"/>
+              <a:t>| **System Server**     | Starts core Android services (Activity Manager, etc.)                              | Broadcasts `ACTION_BOOT_COMPLETED`                               | User-space apps/services       |</a:t>
+            </a:r>
+          </a:p>
+          <a:p>
+            <a:r>
+              <a:rPr lang="en-GB" dirty="0"/>
+              <a:t>| **User-Space Apps**   | Responds to `ACTION_BOOT_COMPLETED`, performs custom actions                       | Fully operational system                                         | User Interaction               |</a:t>
+            </a:r>
+          </a:p>
+          <a:p>
+            <a:endParaRPr lang="en-GB" dirty="0"/>
+          </a:p>
+          <a:p>
+            <a:r>
+              <a:rPr lang="en-GB" dirty="0"/>
+              <a:t>---</a:t>
+            </a:r>
+          </a:p>
+          <a:p>
+            <a:endParaRPr lang="en-GB" dirty="0"/>
+          </a:p>
+          <a:p>
+            <a:r>
+              <a:rPr lang="en-GB" dirty="0"/>
+              <a:t>This sequential flow ensures that each stage builds upon the previous one, creating a stable and functional Android environment by the time the user gains control.</a:t>
+            </a:r>
+            <a:endParaRPr lang="en-US" dirty="0"/>
           </a:p>
         </p:txBody>
       </p:sp>
@@ -6234,7 +7173,7 @@
           <a:p>
             <a:fld id="{DDBF98C7-164A-4723-84F0-B1E4B080DDEC}" type="slidenum">
               <a:rPr lang="en-US" smtClean="0"/>
-              <a:t>21</a:t>
+              <a:t>22</a:t>
             </a:fld>
             <a:endParaRPr lang="en-US"/>
           </a:p>
@@ -6382,7 +7321,7 @@
           <a:p>
             <a:fld id="{4263717A-E3C1-4BED-ABE0-B7069385E023}" type="datetimeFigureOut">
               <a:rPr lang="en-US" smtClean="0"/>
-              <a:t>12/28/2024</a:t>
+              <a:t>2/1/2025</a:t>
             </a:fld>
             <a:endParaRPr lang="en-US"/>
           </a:p>
@@ -6555,7 +7494,7 @@
           <a:p>
             <a:fld id="{4263717A-E3C1-4BED-ABE0-B7069385E023}" type="datetimeFigureOut">
               <a:rPr lang="en-US" smtClean="0"/>
-              <a:t>12/28/2024</a:t>
+              <a:t>2/1/2025</a:t>
             </a:fld>
             <a:endParaRPr lang="en-US"/>
           </a:p>
@@ -6733,7 +7672,7 @@
           <a:p>
             <a:fld id="{4263717A-E3C1-4BED-ABE0-B7069385E023}" type="datetimeFigureOut">
               <a:rPr lang="en-US" smtClean="0"/>
-              <a:t>12/28/2024</a:t>
+              <a:t>2/1/2025</a:t>
             </a:fld>
             <a:endParaRPr lang="en-US"/>
           </a:p>
@@ -6901,7 +7840,7 @@
           <a:p>
             <a:fld id="{4263717A-E3C1-4BED-ABE0-B7069385E023}" type="datetimeFigureOut">
               <a:rPr lang="en-US" smtClean="0"/>
-              <a:t>12/28/2024</a:t>
+              <a:t>2/1/2025</a:t>
             </a:fld>
             <a:endParaRPr lang="en-US"/>
           </a:p>
@@ -7146,7 +8085,7 @@
           <a:p>
             <a:fld id="{4263717A-E3C1-4BED-ABE0-B7069385E023}" type="datetimeFigureOut">
               <a:rPr lang="en-US" smtClean="0"/>
-              <a:t>12/28/2024</a:t>
+              <a:t>2/1/2025</a:t>
             </a:fld>
             <a:endParaRPr lang="en-US"/>
           </a:p>
@@ -7375,7 +8314,7 @@
           <a:p>
             <a:fld id="{4263717A-E3C1-4BED-ABE0-B7069385E023}" type="datetimeFigureOut">
               <a:rPr lang="en-US" smtClean="0"/>
-              <a:t>12/28/2024</a:t>
+              <a:t>2/1/2025</a:t>
             </a:fld>
             <a:endParaRPr lang="en-US"/>
           </a:p>
@@ -7739,7 +8678,7 @@
           <a:p>
             <a:fld id="{4263717A-E3C1-4BED-ABE0-B7069385E023}" type="datetimeFigureOut">
               <a:rPr lang="en-US" smtClean="0"/>
-              <a:t>12/28/2024</a:t>
+              <a:t>2/1/2025</a:t>
             </a:fld>
             <a:endParaRPr lang="en-US"/>
           </a:p>
@@ -7856,7 +8795,7 @@
           <a:p>
             <a:fld id="{4263717A-E3C1-4BED-ABE0-B7069385E023}" type="datetimeFigureOut">
               <a:rPr lang="en-US" smtClean="0"/>
-              <a:t>12/28/2024</a:t>
+              <a:t>2/1/2025</a:t>
             </a:fld>
             <a:endParaRPr lang="en-US"/>
           </a:p>
@@ -7951,7 +8890,7 @@
           <a:p>
             <a:fld id="{4263717A-E3C1-4BED-ABE0-B7069385E023}" type="datetimeFigureOut">
               <a:rPr lang="en-US" smtClean="0"/>
-              <a:t>12/28/2024</a:t>
+              <a:t>2/1/2025</a:t>
             </a:fld>
             <a:endParaRPr lang="en-US"/>
           </a:p>
@@ -8226,7 +9165,7 @@
           <a:p>
             <a:fld id="{4263717A-E3C1-4BED-ABE0-B7069385E023}" type="datetimeFigureOut">
               <a:rPr lang="en-US" smtClean="0"/>
-              <a:t>12/28/2024</a:t>
+              <a:t>2/1/2025</a:t>
             </a:fld>
             <a:endParaRPr lang="en-US"/>
           </a:p>
@@ -8478,7 +9417,7 @@
           <a:p>
             <a:fld id="{4263717A-E3C1-4BED-ABE0-B7069385E023}" type="datetimeFigureOut">
               <a:rPr lang="en-US" smtClean="0"/>
-              <a:t>12/28/2024</a:t>
+              <a:t>2/1/2025</a:t>
             </a:fld>
             <a:endParaRPr lang="en-US"/>
           </a:p>
@@ -8689,7 +9628,7 @@
           <a:p>
             <a:fld id="{4263717A-E3C1-4BED-ABE0-B7069385E023}" type="datetimeFigureOut">
               <a:rPr lang="en-US" smtClean="0"/>
-              <a:t>12/28/2024</a:t>
+              <a:t>2/1/2025</a:t>
             </a:fld>
             <a:endParaRPr lang="en-US"/>
           </a:p>
@@ -10009,7 +10948,7 @@
           <a:lstStyle/>
           <a:p>
             <a:r>
-              <a:rPr lang="en-GB" sz="1400">
+              <a:rPr lang="en-GB" sz="1400" dirty="0">
                 <a:solidFill>
                   <a:schemeClr val="bg1"/>
                 </a:solidFill>
@@ -10019,14 +10958,14 @@
           </a:p>
           <a:p>
             <a:r>
-              <a:rPr lang="en-GB" sz="1400">
+              <a:rPr lang="en-GB" sz="1400" dirty="0">
                 <a:solidFill>
                   <a:schemeClr val="bg1"/>
                 </a:solidFill>
               </a:rPr>
               <a:t>Multitasking</a:t>
             </a:r>
-            <a:endParaRPr lang="en-US" sz="1400">
+            <a:endParaRPr lang="en-US" sz="1400" dirty="0">
               <a:solidFill>
                 <a:schemeClr val="bg1"/>
               </a:solidFill>
@@ -10620,7 +11559,11 @@
                   <a:srgbClr val="C00000"/>
                 </a:solidFill>
               </a:rPr>
-              <a:t>DEX</a:t>
+              <a:t>DEX/</a:t>
+            </a:r>
+            <a:r>
+              <a:rPr lang="en-US" dirty="0"/>
+              <a:t>Dalvik Executable</a:t>
             </a:r>
             <a:r>
               <a:rPr lang="en-GB" dirty="0"/>
@@ -11097,7 +12040,7 @@
           <a:p>
             <a:pPr algn="ctr"/>
             <a:r>
-              <a:rPr lang="en-US" sz="1400"/>
+              <a:rPr lang="en-US" sz="1400" dirty="0"/>
               <a:t>Source code</a:t>
             </a:r>
           </a:p>
@@ -11149,7 +12092,7 @@
           <a:p>
             <a:pPr algn="ctr"/>
             <a:r>
-              <a:rPr lang="en-US" sz="1400"/>
+              <a:rPr lang="en-US" sz="1400" dirty="0"/>
               <a:t>DEX</a:t>
             </a:r>
           </a:p>
@@ -11848,6 +12791,76 @@
           </a:p>
         </p:txBody>
       </p:sp>
+      <p:sp>
+        <p:nvSpPr>
+          <p:cNvPr id="4" name="TextBox 3">
+            <a:extLst>
+              <a:ext uri="{FF2B5EF4-FFF2-40B4-BE49-F238E27FC236}">
+                <a16:creationId xmlns:a16="http://schemas.microsoft.com/office/drawing/2014/main" id="{9EA4C275-2056-53F1-0C1C-D087F9CB755A}"/>
+              </a:ext>
+            </a:extLst>
+          </p:cNvPr>
+          <p:cNvSpPr txBox="1"/>
+          <p:nvPr/>
+        </p:nvSpPr>
+        <p:spPr>
+          <a:xfrm>
+            <a:off x="7932357" y="5799089"/>
+            <a:ext cx="1415683" cy="369332"/>
+          </a:xfrm>
+          <a:prstGeom prst="rect">
+            <a:avLst/>
+          </a:prstGeom>
+          <a:noFill/>
+        </p:spPr>
+        <p:txBody>
+          <a:bodyPr wrap="square">
+            <a:spAutoFit/>
+          </a:bodyPr>
+          <a:lstStyle/>
+          <a:p>
+            <a:r>
+              <a:rPr lang="en-US" dirty="0"/>
+              <a:t>Verified DEX</a:t>
+            </a:r>
+          </a:p>
+        </p:txBody>
+      </p:sp>
+      <p:sp>
+        <p:nvSpPr>
+          <p:cNvPr id="7" name="TextBox 6">
+            <a:extLst>
+              <a:ext uri="{FF2B5EF4-FFF2-40B4-BE49-F238E27FC236}">
+                <a16:creationId xmlns:a16="http://schemas.microsoft.com/office/drawing/2014/main" id="{6966C267-B126-8099-2E06-F9ABA17C8FC9}"/>
+              </a:ext>
+            </a:extLst>
+          </p:cNvPr>
+          <p:cNvSpPr txBox="1"/>
+          <p:nvPr/>
+        </p:nvSpPr>
+        <p:spPr>
+          <a:xfrm>
+            <a:off x="5059428" y="5429757"/>
+            <a:ext cx="2029061" cy="369332"/>
+          </a:xfrm>
+          <a:prstGeom prst="rect">
+            <a:avLst/>
+          </a:prstGeom>
+          <a:noFill/>
+        </p:spPr>
+        <p:txBody>
+          <a:bodyPr wrap="square">
+            <a:spAutoFit/>
+          </a:bodyPr>
+          <a:lstStyle/>
+          <a:p>
+            <a:r>
+              <a:rPr lang="en-US" dirty="0"/>
+              <a:t>Dalvik Executable</a:t>
+            </a:r>
+          </a:p>
+        </p:txBody>
+      </p:sp>
     </p:spTree>
     <p:extLst>
       <p:ext uri="{BB962C8B-B14F-4D97-AF65-F5344CB8AC3E}">
@@ -12184,7 +13197,7 @@
         <p:spPr/>
         <p:txBody>
           <a:bodyPr>
-            <a:normAutofit fontScale="92500" lnSpcReduction="10000"/>
+            <a:normAutofit fontScale="92500" lnSpcReduction="20000"/>
           </a:bodyPr>
           <a:lstStyle/>
           <a:p>
@@ -12194,7 +13207,7 @@
             </a:r>
             <a:r>
               <a:rPr lang="en-GB" dirty="0"/>
-              <a:t>The initial stage, where the basic hardware is initialized and the bootloader is loaded</a:t>
+              <a:t>The initial stage, where the basic hardware is initialized, and the bootloader is loaded</a:t>
             </a:r>
           </a:p>
           <a:p>
@@ -12242,8 +13255,21 @@
             </a:r>
             <a:r>
               <a:rPr lang="en-GB" dirty="0"/>
-              <a:t>Preloads common application classes into memory, significantly speeding up app launch times</a:t>
-            </a:r>
+              <a:t>Preloads common application classes into memory, significantly speeding up app launch times, and </a:t>
+            </a:r>
+            <a:r>
+              <a:rPr lang="en-GB" dirty="0" err="1"/>
+              <a:t>inits</a:t>
+            </a:r>
+            <a:r>
+              <a:rPr lang="en-GB" dirty="0"/>
+              <a:t> </a:t>
+            </a:r>
+            <a:r>
+              <a:rPr lang="en-GB" sz="2800" dirty="0"/>
+              <a:t>Dalvik VM</a:t>
+            </a:r>
+            <a:endParaRPr lang="en-GB" dirty="0"/>
           </a:p>
           <a:p>
             <a:r>
@@ -12252,9 +13278,185 @@
             </a:r>
             <a:r>
               <a:rPr lang="en-GB" dirty="0"/>
-              <a:t>Starts various Android system services like the Activity Manager, Package Manager, and Window Manager.</a:t>
+              <a:t>Starts various Android system services, e.g., the Activity Manager, Package Manager, and Window Manager.</a:t>
+            </a:r>
+          </a:p>
+          <a:p>
+            <a:r>
+              <a:rPr lang="en-GB" b="1" dirty="0"/>
+              <a:t>User-space Apps</a:t>
+            </a:r>
+            <a:r>
+              <a:rPr lang="en-GB" dirty="0"/>
+              <a:t>: Provide service to customers</a:t>
             </a:r>
             <a:endParaRPr lang="en-US" dirty="0"/>
+          </a:p>
+        </p:txBody>
+      </p:sp>
+      <p:sp>
+        <p:nvSpPr>
+          <p:cNvPr id="5" name="Right Brace 4">
+            <a:extLst>
+              <a:ext uri="{FF2B5EF4-FFF2-40B4-BE49-F238E27FC236}">
+                <a16:creationId xmlns:a16="http://schemas.microsoft.com/office/drawing/2014/main" id="{477FFEDF-6C40-4FAF-EE5C-CEA0A6544E54}"/>
+              </a:ext>
+            </a:extLst>
+          </p:cNvPr>
+          <p:cNvSpPr/>
+          <p:nvPr/>
+        </p:nvSpPr>
+        <p:spPr>
+          <a:xfrm>
+            <a:off x="10867002" y="1825625"/>
+            <a:ext cx="340066" cy="1816861"/>
+          </a:xfrm>
+          <a:prstGeom prst="rightBrace">
+            <a:avLst/>
+          </a:prstGeom>
+        </p:spPr>
+        <p:style>
+          <a:lnRef idx="1">
+            <a:schemeClr val="accent1"/>
+          </a:lnRef>
+          <a:fillRef idx="0">
+            <a:schemeClr val="accent1"/>
+          </a:fillRef>
+          <a:effectRef idx="0">
+            <a:schemeClr val="accent1"/>
+          </a:effectRef>
+          <a:fontRef idx="minor">
+            <a:schemeClr val="tx1"/>
+          </a:fontRef>
+        </p:style>
+        <p:txBody>
+          <a:bodyPr rtlCol="0" anchor="ctr"/>
+          <a:lstStyle/>
+          <a:p>
+            <a:pPr algn="ctr"/>
+            <a:endParaRPr lang="en-US"/>
+          </a:p>
+        </p:txBody>
+      </p:sp>
+      <p:sp>
+        <p:nvSpPr>
+          <p:cNvPr id="6" name="TextBox 5">
+            <a:extLst>
+              <a:ext uri="{FF2B5EF4-FFF2-40B4-BE49-F238E27FC236}">
+                <a16:creationId xmlns:a16="http://schemas.microsoft.com/office/drawing/2014/main" id="{FA7948AA-9F57-E1D7-DB09-86CA00F30953}"/>
+              </a:ext>
+            </a:extLst>
+          </p:cNvPr>
+          <p:cNvSpPr txBox="1"/>
+          <p:nvPr/>
+        </p:nvSpPr>
+        <p:spPr>
+          <a:xfrm>
+            <a:off x="10612074" y="2311595"/>
+            <a:ext cx="1189987" cy="646331"/>
+          </a:xfrm>
+          <a:prstGeom prst="rect">
+            <a:avLst/>
+          </a:prstGeom>
+          <a:noFill/>
+        </p:spPr>
+        <p:txBody>
+          <a:bodyPr wrap="square" rtlCol="0">
+            <a:spAutoFit/>
+          </a:bodyPr>
+          <a:lstStyle/>
+          <a:p>
+            <a:r>
+              <a:rPr lang="en-US" dirty="0">
+                <a:solidFill>
+                  <a:srgbClr val="FF0000"/>
+                </a:solidFill>
+              </a:rPr>
+              <a:t>prepare hardware</a:t>
+            </a:r>
+          </a:p>
+        </p:txBody>
+      </p:sp>
+      <p:sp>
+        <p:nvSpPr>
+          <p:cNvPr id="7" name="Right Brace 6">
+            <a:extLst>
+              <a:ext uri="{FF2B5EF4-FFF2-40B4-BE49-F238E27FC236}">
+                <a16:creationId xmlns:a16="http://schemas.microsoft.com/office/drawing/2014/main" id="{AD200BB3-B542-17A6-E230-84E595228C36}"/>
+              </a:ext>
+            </a:extLst>
+          </p:cNvPr>
+          <p:cNvSpPr/>
+          <p:nvPr/>
+        </p:nvSpPr>
+        <p:spPr>
+          <a:xfrm>
+            <a:off x="10867002" y="3766521"/>
+            <a:ext cx="340066" cy="1816861"/>
+          </a:xfrm>
+          <a:prstGeom prst="rightBrace">
+            <a:avLst/>
+          </a:prstGeom>
+        </p:spPr>
+        <p:style>
+          <a:lnRef idx="1">
+            <a:schemeClr val="accent1"/>
+          </a:lnRef>
+          <a:fillRef idx="0">
+            <a:schemeClr val="accent1"/>
+          </a:fillRef>
+          <a:effectRef idx="0">
+            <a:schemeClr val="accent1"/>
+          </a:effectRef>
+          <a:fontRef idx="minor">
+            <a:schemeClr val="tx1"/>
+          </a:fontRef>
+        </p:style>
+        <p:txBody>
+          <a:bodyPr rtlCol="0" anchor="ctr"/>
+          <a:lstStyle/>
+          <a:p>
+            <a:pPr algn="ctr"/>
+            <a:endParaRPr lang="en-US"/>
+          </a:p>
+        </p:txBody>
+      </p:sp>
+      <p:sp>
+        <p:nvSpPr>
+          <p:cNvPr id="8" name="TextBox 7">
+            <a:extLst>
+              <a:ext uri="{FF2B5EF4-FFF2-40B4-BE49-F238E27FC236}">
+                <a16:creationId xmlns:a16="http://schemas.microsoft.com/office/drawing/2014/main" id="{08C0CC59-0DF2-E639-CB09-EF17EDC4E71B}"/>
+              </a:ext>
+            </a:extLst>
+          </p:cNvPr>
+          <p:cNvSpPr txBox="1"/>
+          <p:nvPr/>
+        </p:nvSpPr>
+        <p:spPr>
+          <a:xfrm>
+            <a:off x="10612074" y="4557291"/>
+            <a:ext cx="1189987" cy="646331"/>
+          </a:xfrm>
+          <a:prstGeom prst="rect">
+            <a:avLst/>
+          </a:prstGeom>
+          <a:noFill/>
+        </p:spPr>
+        <p:txBody>
+          <a:bodyPr wrap="square" rtlCol="0">
+            <a:spAutoFit/>
+          </a:bodyPr>
+          <a:lstStyle/>
+          <a:p>
+            <a:r>
+              <a:rPr lang="en-US" dirty="0">
+                <a:solidFill>
+                  <a:srgbClr val="FF0000"/>
+                </a:solidFill>
+              </a:rPr>
+              <a:t>prepare service</a:t>
+            </a:r>
           </a:p>
         </p:txBody>
       </p:sp>
@@ -12357,6 +13559,107 @@
 <file path=ppt/slides/slide20.xml><?xml version="1.0" encoding="utf-8"?>
 <p:sld xmlns:a="http://schemas.openxmlformats.org/drawingml/2006/main" xmlns:r="http://schemas.openxmlformats.org/officeDocument/2006/relationships" xmlns:p="http://schemas.openxmlformats.org/presentationml/2006/main">
   <p:cSld>
+    <p:spTree>
+      <p:nvGrpSpPr>
+        <p:cNvPr id="1" name=""/>
+        <p:cNvGrpSpPr/>
+        <p:nvPr/>
+      </p:nvGrpSpPr>
+      <p:grpSpPr>
+        <a:xfrm>
+          <a:off x="0" y="0"/>
+          <a:ext cx="0" cy="0"/>
+          <a:chOff x="0" y="0"/>
+          <a:chExt cx="0" cy="0"/>
+        </a:xfrm>
+      </p:grpSpPr>
+      <p:pic>
+        <p:nvPicPr>
+          <p:cNvPr id="6" name="Picture 5">
+            <a:extLst>
+              <a:ext uri="{FF2B5EF4-FFF2-40B4-BE49-F238E27FC236}">
+                <a16:creationId xmlns:a16="http://schemas.microsoft.com/office/drawing/2014/main" id="{77592727-3D55-BC8D-56DF-BD9CDBC352B4}"/>
+              </a:ext>
+            </a:extLst>
+          </p:cNvPr>
+          <p:cNvPicPr>
+            <a:picLocks noChangeAspect="1"/>
+          </p:cNvPicPr>
+          <p:nvPr/>
+        </p:nvPicPr>
+        <p:blipFill>
+          <a:blip r:embed="rId2"/>
+          <a:stretch>
+            <a:fillRect/>
+          </a:stretch>
+        </p:blipFill>
+        <p:spPr>
+          <a:xfrm>
+            <a:off x="210330" y="1686237"/>
+            <a:ext cx="11771339" cy="3821113"/>
+          </a:xfrm>
+          <a:prstGeom prst="rect">
+            <a:avLst/>
+          </a:prstGeom>
+        </p:spPr>
+      </p:pic>
+      <p:sp>
+        <p:nvSpPr>
+          <p:cNvPr id="8" name="TextBox 7">
+            <a:extLst>
+              <a:ext uri="{FF2B5EF4-FFF2-40B4-BE49-F238E27FC236}">
+                <a16:creationId xmlns:a16="http://schemas.microsoft.com/office/drawing/2014/main" id="{E0F86726-BAF7-B776-D98B-1F17FC47799D}"/>
+              </a:ext>
+            </a:extLst>
+          </p:cNvPr>
+          <p:cNvSpPr txBox="1"/>
+          <p:nvPr/>
+        </p:nvSpPr>
+        <p:spPr>
+          <a:xfrm>
+            <a:off x="1055281" y="1002379"/>
+            <a:ext cx="9513481" cy="646331"/>
+          </a:xfrm>
+          <a:prstGeom prst="rect">
+            <a:avLst/>
+          </a:prstGeom>
+          <a:solidFill>
+            <a:schemeClr val="accent6">
+              <a:lumMod val="20000"/>
+              <a:lumOff val="80000"/>
+            </a:schemeClr>
+          </a:solidFill>
+        </p:spPr>
+        <p:txBody>
+          <a:bodyPr wrap="square">
+            <a:spAutoFit/>
+          </a:bodyPr>
+          <a:lstStyle/>
+          <a:p>
+            <a:r>
+              <a:rPr lang="en-GB" dirty="0"/>
+              <a:t>Each stage of the Android boot process involves completing specific tasks, preparing for the next stage, and then handing over control to the subsequent stage. </a:t>
+            </a:r>
+            <a:endParaRPr lang="en-US" dirty="0"/>
+          </a:p>
+        </p:txBody>
+      </p:sp>
+    </p:spTree>
+    <p:extLst>
+      <p:ext uri="{BB962C8B-B14F-4D97-AF65-F5344CB8AC3E}">
+        <p14:creationId xmlns:p14="http://schemas.microsoft.com/office/powerpoint/2010/main" val="3304035788"/>
+      </p:ext>
+    </p:extLst>
+  </p:cSld>
+  <p:clrMapOvr>
+    <a:masterClrMapping/>
+  </p:clrMapOvr>
+</p:sld>
+</file>
+
+<file path=ppt/slides/slide21.xml><?xml version="1.0" encoding="utf-8"?>
+<p:sld xmlns:a="http://schemas.openxmlformats.org/drawingml/2006/main" xmlns:r="http://schemas.openxmlformats.org/officeDocument/2006/relationships" xmlns:p="http://schemas.openxmlformats.org/presentationml/2006/main">
+  <p:cSld>
     <p:bg>
       <p:bgPr>
         <a:solidFill>
@@ -12443,54 +13746,54 @@
           <a:lstStyle/>
           <a:p>
             <a:r>
-              <a:rPr lang="en-US" sz="1800"/>
+              <a:rPr lang="en-US" sz="1800" dirty="0"/>
               <a:t>Boot ROM (Read-only Memory)</a:t>
             </a:r>
           </a:p>
           <a:p>
             <a:r>
-              <a:rPr lang="en-US" sz="1800"/>
+              <a:rPr lang="en-US" sz="1800" dirty="0"/>
               <a:t>The bootloader</a:t>
             </a:r>
           </a:p>
           <a:p>
             <a:r>
-              <a:rPr lang="en-US" sz="1800"/>
+              <a:rPr lang="en-US" sz="1800" dirty="0"/>
               <a:t>The Linux kernel</a:t>
             </a:r>
           </a:p>
           <a:p>
             <a:r>
-              <a:rPr lang="en-US" sz="1800"/>
+              <a:rPr lang="en-US" sz="1800" dirty="0"/>
               <a:t>The </a:t>
             </a:r>
             <a:r>
-              <a:rPr lang="en-US" sz="1800" err="1"/>
+              <a:rPr lang="en-US" sz="1800" dirty="0" err="1"/>
               <a:t>init</a:t>
             </a:r>
             <a:r>
-              <a:rPr lang="en-US" sz="1800"/>
+              <a:rPr lang="en-US" sz="1800" dirty="0"/>
               <a:t> process</a:t>
             </a:r>
           </a:p>
           <a:p>
             <a:r>
-              <a:rPr lang="en-GB" sz="1800"/>
+              <a:rPr lang="en-GB" sz="1800" dirty="0"/>
               <a:t>Zygote and Dalvik</a:t>
             </a:r>
           </a:p>
           <a:p>
             <a:r>
-              <a:rPr lang="en-GB" sz="1800"/>
+              <a:rPr lang="en-GB" sz="1800" dirty="0"/>
               <a:t>The </a:t>
             </a:r>
             <a:r>
-              <a:rPr lang="en-US" sz="1800"/>
+              <a:rPr lang="en-US" sz="1800" dirty="0"/>
               <a:t>System server</a:t>
             </a:r>
           </a:p>
           <a:p>
-            <a:endParaRPr lang="en-US" sz="1800"/>
+            <a:endParaRPr lang="en-US" sz="1800" dirty="0"/>
           </a:p>
         </p:txBody>
       </p:sp>
@@ -12655,7 +13958,7 @@
 </p:sld>
 </file>
 
-<file path=ppt/slides/slide21.xml><?xml version="1.0" encoding="utf-8"?>
+<file path=ppt/slides/slide22.xml><?xml version="1.0" encoding="utf-8"?>
 <p:sld xmlns:a="http://schemas.openxmlformats.org/drawingml/2006/main" xmlns:r="http://schemas.openxmlformats.org/officeDocument/2006/relationships" xmlns:p="http://schemas.openxmlformats.org/presentationml/2006/main">
   <p:cSld>
     <p:spTree>
@@ -12672,143 +13975,6 @@
           <a:chExt cx="0" cy="0"/>
         </a:xfrm>
       </p:grpSpPr>
-      <p:sp>
-        <p:nvSpPr>
-          <p:cNvPr id="2" name="Title 1">
-            <a:extLst>
-              <a:ext uri="{FF2B5EF4-FFF2-40B4-BE49-F238E27FC236}">
-                <a16:creationId xmlns:a16="http://schemas.microsoft.com/office/drawing/2014/main" id="{CBEE1C5B-C062-438C-A521-260C194F415F}"/>
-              </a:ext>
-            </a:extLst>
-          </p:cNvPr>
-          <p:cNvSpPr>
-            <a:spLocks noGrp="1"/>
-          </p:cNvSpPr>
-          <p:nvPr>
-            <p:ph type="title"/>
-          </p:nvPr>
-        </p:nvSpPr>
-        <p:spPr/>
-        <p:txBody>
-          <a:bodyPr/>
-          <a:lstStyle/>
-          <a:p>
-            <a:r>
-              <a:rPr lang="en-US" dirty="0"/>
-              <a:t>1. Boot</a:t>
-            </a:r>
-            <a:r>
-              <a:rPr lang="en-GB" dirty="0"/>
-              <a:t> </a:t>
-            </a:r>
-            <a:r>
-              <a:rPr lang="en-US" dirty="0"/>
-              <a:t>ROM </a:t>
-            </a:r>
-          </a:p>
-        </p:txBody>
-      </p:sp>
-      <p:sp>
-        <p:nvSpPr>
-          <p:cNvPr id="4" name="Content Placeholder 3">
-            <a:extLst>
-              <a:ext uri="{FF2B5EF4-FFF2-40B4-BE49-F238E27FC236}">
-                <a16:creationId xmlns:a16="http://schemas.microsoft.com/office/drawing/2014/main" id="{801A7380-951B-4617-9F33-2B2F70105770}"/>
-              </a:ext>
-            </a:extLst>
-          </p:cNvPr>
-          <p:cNvSpPr>
-            <a:spLocks noGrp="1"/>
-          </p:cNvSpPr>
-          <p:nvPr>
-            <p:ph idx="1"/>
-          </p:nvPr>
-        </p:nvSpPr>
-        <p:spPr>
-          <a:xfrm>
-            <a:off x="838201" y="1825624"/>
-            <a:ext cx="5257800" cy="4468495"/>
-          </a:xfrm>
-        </p:spPr>
-        <p:txBody>
-          <a:bodyPr>
-            <a:normAutofit/>
-          </a:bodyPr>
-          <a:lstStyle/>
-          <a:p>
-            <a:r>
-              <a:rPr lang="en-GB" dirty="0"/>
-              <a:t>Power On and Boot ROM code starts executing</a:t>
-            </a:r>
-          </a:p>
-          <a:p>
-            <a:pPr lvl="1"/>
-            <a:r>
-              <a:rPr lang="en-US" dirty="0">
-                <a:solidFill>
-                  <a:srgbClr val="FF0000"/>
-                </a:solidFill>
-              </a:rPr>
-              <a:t>A</a:t>
-            </a:r>
-            <a:r>
-              <a:rPr lang="en-US" dirty="0"/>
-              <a:t>: ROM Code </a:t>
-            </a:r>
-            <a:r>
-              <a:rPr lang="en-US" dirty="0">
-                <a:solidFill>
-                  <a:srgbClr val="C00000"/>
-                </a:solidFill>
-              </a:rPr>
-              <a:t>detects</a:t>
-            </a:r>
-            <a:r>
-              <a:rPr lang="en-US" dirty="0"/>
-              <a:t> the boot media </a:t>
-            </a:r>
-            <a:r>
-              <a:rPr lang="en-GB" dirty="0"/>
-              <a:t>to determine where to find the boot loader.</a:t>
-            </a:r>
-          </a:p>
-          <a:p>
-            <a:pPr lvl="1"/>
-            <a:r>
-              <a:rPr lang="en-US" dirty="0">
-                <a:solidFill>
-                  <a:srgbClr val="FF0000"/>
-                </a:solidFill>
-              </a:rPr>
-              <a:t>B</a:t>
-            </a:r>
-            <a:r>
-              <a:rPr lang="en-US" dirty="0"/>
-              <a:t>: ROM Code </a:t>
-            </a:r>
-            <a:r>
-              <a:rPr lang="en-GB" dirty="0">
-                <a:solidFill>
-                  <a:srgbClr val="C00000"/>
-                </a:solidFill>
-              </a:rPr>
-              <a:t>loads</a:t>
-            </a:r>
-            <a:r>
-              <a:rPr lang="en-GB" sz="2500" dirty="0"/>
-              <a:t> the </a:t>
-            </a:r>
-            <a:r>
-              <a:rPr lang="en-US" sz="2500" dirty="0"/>
-              <a:t>first stage </a:t>
-            </a:r>
-            <a:r>
-              <a:rPr lang="en-GB" sz="2500" dirty="0"/>
-              <a:t>Bootloader into RAM,  and the Bootloader starts executing in RAM.</a:t>
-            </a:r>
-          </a:p>
-        </p:txBody>
-      </p:sp>
       <p:pic>
         <p:nvPicPr>
           <p:cNvPr id="3" name="Picture 2">
@@ -12838,6 +14004,143 @@
           </a:prstGeom>
         </p:spPr>
       </p:pic>
+      <p:sp>
+        <p:nvSpPr>
+          <p:cNvPr id="2" name="Title 1">
+            <a:extLst>
+              <a:ext uri="{FF2B5EF4-FFF2-40B4-BE49-F238E27FC236}">
+                <a16:creationId xmlns:a16="http://schemas.microsoft.com/office/drawing/2014/main" id="{CBEE1C5B-C062-438C-A521-260C194F415F}"/>
+              </a:ext>
+            </a:extLst>
+          </p:cNvPr>
+          <p:cNvSpPr>
+            <a:spLocks noGrp="1"/>
+          </p:cNvSpPr>
+          <p:nvPr>
+            <p:ph type="title"/>
+          </p:nvPr>
+        </p:nvSpPr>
+        <p:spPr/>
+        <p:txBody>
+          <a:bodyPr/>
+          <a:lstStyle/>
+          <a:p>
+            <a:r>
+              <a:rPr lang="en-US" dirty="0"/>
+              <a:t>1. Boot</a:t>
+            </a:r>
+            <a:r>
+              <a:rPr lang="en-GB" dirty="0"/>
+              <a:t> </a:t>
+            </a:r>
+            <a:r>
+              <a:rPr lang="en-US" dirty="0"/>
+              <a:t>ROM (Read-only Memory) </a:t>
+            </a:r>
+          </a:p>
+        </p:txBody>
+      </p:sp>
+      <p:sp>
+        <p:nvSpPr>
+          <p:cNvPr id="4" name="Content Placeholder 3">
+            <a:extLst>
+              <a:ext uri="{FF2B5EF4-FFF2-40B4-BE49-F238E27FC236}">
+                <a16:creationId xmlns:a16="http://schemas.microsoft.com/office/drawing/2014/main" id="{801A7380-951B-4617-9F33-2B2F70105770}"/>
+              </a:ext>
+            </a:extLst>
+          </p:cNvPr>
+          <p:cNvSpPr>
+            <a:spLocks noGrp="1"/>
+          </p:cNvSpPr>
+          <p:nvPr>
+            <p:ph idx="1"/>
+          </p:nvPr>
+        </p:nvSpPr>
+        <p:spPr>
+          <a:xfrm>
+            <a:off x="838201" y="1825624"/>
+            <a:ext cx="5257800" cy="4468495"/>
+          </a:xfrm>
+        </p:spPr>
+        <p:txBody>
+          <a:bodyPr>
+            <a:normAutofit/>
+          </a:bodyPr>
+          <a:lstStyle/>
+          <a:p>
+            <a:r>
+              <a:rPr lang="en-GB" dirty="0"/>
+              <a:t>Power On and Boot ROM code starts executing</a:t>
+            </a:r>
+          </a:p>
+          <a:p>
+            <a:pPr lvl="1"/>
+            <a:r>
+              <a:rPr lang="en-US" dirty="0">
+                <a:solidFill>
+                  <a:srgbClr val="FF0000"/>
+                </a:solidFill>
+              </a:rPr>
+              <a:t>A</a:t>
+            </a:r>
+            <a:r>
+              <a:rPr lang="en-US" dirty="0"/>
+              <a:t>: ROM Code </a:t>
+            </a:r>
+            <a:r>
+              <a:rPr lang="en-US" dirty="0">
+                <a:solidFill>
+                  <a:srgbClr val="C00000"/>
+                </a:solidFill>
+              </a:rPr>
+              <a:t>detects</a:t>
+            </a:r>
+            <a:r>
+              <a:rPr lang="en-US" dirty="0"/>
+              <a:t> the boot media </a:t>
+            </a:r>
+            <a:r>
+              <a:rPr lang="en-GB" dirty="0"/>
+              <a:t>to determine where to find the boot loader.</a:t>
+            </a:r>
+          </a:p>
+          <a:p>
+            <a:pPr lvl="1"/>
+            <a:r>
+              <a:rPr lang="en-US" dirty="0">
+                <a:solidFill>
+                  <a:srgbClr val="FF0000"/>
+                </a:solidFill>
+              </a:rPr>
+              <a:t>B</a:t>
+            </a:r>
+            <a:r>
+              <a:rPr lang="en-US" dirty="0"/>
+              <a:t>: ROM Code </a:t>
+            </a:r>
+            <a:r>
+              <a:rPr lang="en-GB" dirty="0">
+                <a:solidFill>
+                  <a:srgbClr val="C00000"/>
+                </a:solidFill>
+              </a:rPr>
+              <a:t>loads</a:t>
+            </a:r>
+            <a:r>
+              <a:rPr lang="en-GB" sz="2500" dirty="0"/>
+              <a:t> the </a:t>
+            </a:r>
+            <a:r>
+              <a:rPr lang="en-US" sz="2500" dirty="0"/>
+              <a:t>first stage </a:t>
+            </a:r>
+            <a:r>
+              <a:rPr lang="en-GB" sz="2500" dirty="0"/>
+              <a:t>Bootloader into RAM,  and the Bootloader starts executing in RAM.</a:t>
+            </a:r>
+          </a:p>
+        </p:txBody>
+      </p:sp>
       <p:cxnSp>
         <p:nvCxnSpPr>
           <p:cNvPr id="6" name="Straight Arrow Connector 5">
@@ -12890,7 +14193,7 @@
 </p:sld>
 </file>
 
-<file path=ppt/slides/slide22.xml><?xml version="1.0" encoding="utf-8"?>
+<file path=ppt/slides/slide23.xml><?xml version="1.0" encoding="utf-8"?>
 <p:sld xmlns:a="http://schemas.openxmlformats.org/drawingml/2006/main" xmlns:r="http://schemas.openxmlformats.org/officeDocument/2006/relationships" xmlns:p="http://schemas.openxmlformats.org/presentationml/2006/main">
   <p:cSld>
     <p:spTree>
@@ -12929,7 +14232,7 @@
           <a:lstStyle/>
           <a:p>
             <a:r>
-              <a:rPr lang="en-US"/>
+              <a:rPr lang="en-US" dirty="0"/>
               <a:t>2. Bootloader</a:t>
             </a:r>
           </a:p>
@@ -12973,14 +14276,7 @@
             <a:pPr lvl="1"/>
             <a:r>
               <a:rPr lang="en-GB" dirty="0"/>
-              <a:t>functioning like GRUB Windows</a:t>
-            </a:r>
-          </a:p>
-          <a:p>
-            <a:pPr lvl="1"/>
-            <a:r>
-              <a:rPr lang="en-GB" dirty="0"/>
-              <a:t>Flash Kernel and </a:t>
+              <a:t>Kernel and </a:t>
             </a:r>
             <a:r>
               <a:rPr lang="en-GB" dirty="0" err="1"/>
@@ -12988,35 +14284,7 @@
             </a:r>
             <a:r>
               <a:rPr lang="en-GB" dirty="0"/>
-              <a:t> (</a:t>
-            </a:r>
-            <a:r>
-              <a:rPr lang="en-GB" i="1" dirty="0">
-                <a:solidFill>
-                  <a:srgbClr val="C00000"/>
-                </a:solidFill>
-              </a:rPr>
-              <a:t>/</a:t>
-            </a:r>
-            <a:r>
-              <a:rPr lang="en-GB" i="1" dirty="0" err="1">
-                <a:solidFill>
-                  <a:srgbClr val="C00000"/>
-                </a:solidFill>
-              </a:rPr>
-              <a:t>init</a:t>
-            </a:r>
-            <a:r>
-              <a:rPr lang="en-GB" i="1" dirty="0">
-                <a:solidFill>
-                  <a:srgbClr val="C00000"/>
-                </a:solidFill>
-              </a:rPr>
-              <a:t> </a:t>
-            </a:r>
-            <a:r>
-              <a:rPr lang="en-GB" dirty="0"/>
-              <a:t>and a few config files) are flashed to </a:t>
+              <a:t> (a temporary filesystem to assist in loading the real root filesystem) are flashed to </a:t>
             </a:r>
             <a:r>
               <a:rPr lang="en-GB" i="1" dirty="0">
@@ -13149,7 +14417,7 @@
 </p:sld>
 </file>
 
-<file path=ppt/slides/slide23.xml><?xml version="1.0" encoding="utf-8"?>
+<file path=ppt/slides/slide24.xml><?xml version="1.0" encoding="utf-8"?>
 <p:sld xmlns:a="http://schemas.openxmlformats.org/drawingml/2006/main" xmlns:r="http://schemas.openxmlformats.org/officeDocument/2006/relationships" xmlns:p="http://schemas.openxmlformats.org/presentationml/2006/main">
   <p:cSld>
     <p:spTree>
@@ -13181,7 +14449,7 @@
         <p:spPr>
           <a:xfrm>
             <a:off x="673363" y="797510"/>
-            <a:ext cx="5961146" cy="5632311"/>
+            <a:ext cx="5961146" cy="4708981"/>
           </a:xfrm>
           <a:prstGeom prst="rect">
             <a:avLst/>
@@ -13195,7 +14463,7 @@
           <a:lstStyle/>
           <a:p>
             <a:r>
-              <a:rPr lang="en-GB" sz="2400">
+              <a:rPr lang="en-GB" sz="2000" dirty="0">
                 <a:solidFill>
                   <a:srgbClr val="C00000"/>
                 </a:solidFill>
@@ -13203,13 +14471,13 @@
               <a:t>A. </a:t>
             </a:r>
             <a:r>
-              <a:rPr lang="en-GB" sz="2400"/>
-              <a:t>The first boot loader stage will detect and set up external RAM.</a:t>
-            </a:r>
-          </a:p>
-          <a:p>
-            <a:r>
-              <a:rPr lang="en-GB" sz="2400">
+              <a:rPr lang="en-GB" sz="2000" dirty="0"/>
+              <a:t>The first boot loader stage will detect and set up external RAM (Initialize minimal hardware, e.g., CPU, clocks).</a:t>
+            </a:r>
+          </a:p>
+          <a:p>
+            <a:r>
+              <a:rPr lang="en-GB" sz="2000" dirty="0">
                 <a:solidFill>
                   <a:srgbClr val="C00000"/>
                 </a:solidFill>
@@ -13217,13 +14485,13 @@
               <a:t>B</a:t>
             </a:r>
             <a:r>
-              <a:rPr lang="en-GB" sz="2400"/>
-              <a:t>. Once external RAM is available and the system is ready the to run something more significant, the first stage will load the main boot loader and place it in external RAM.</a:t>
-            </a:r>
-          </a:p>
-          <a:p>
-            <a:r>
-              <a:rPr lang="en-GB" sz="2400">
+              <a:rPr lang="en-GB" sz="2000" dirty="0"/>
+              <a:t>. Once external RAM is available and the system is ready to run something more significant, the first stage will load the main bootloader and place it in external RAM.</a:t>
+            </a:r>
+          </a:p>
+          <a:p>
+            <a:r>
+              <a:rPr lang="en-GB" sz="2000" dirty="0">
                 <a:solidFill>
                   <a:srgbClr val="C00000"/>
                 </a:solidFill>
@@ -13231,8 +14499,8 @@
               <a:t>C</a:t>
             </a:r>
             <a:r>
-              <a:rPr lang="en-GB" sz="2400"/>
-              <a:t>. The second stage of the boot loader is the first major program that will run. </a:t>
+              <a:rPr lang="en-GB" sz="2000" dirty="0"/>
+              <a:t>. The second stage of the bootloader is the first major program that will run. </a:t>
             </a:r>
           </a:p>
           <a:p>
@@ -13241,8 +14509,8 @@
               <a:buChar char="•"/>
             </a:pPr>
             <a:r>
-              <a:rPr lang="en-GB" sz="2400"/>
-              <a:t>This may contain code to set up file systems, additional memory, network support and other things. </a:t>
+              <a:rPr lang="en-GB" sz="2000" dirty="0"/>
+              <a:t>This may contain code to set up file systems, additional memory, network support, and other things. </a:t>
             </a:r>
           </a:p>
           <a:p>
@@ -13251,8 +14519,8 @@
               <a:buChar char="•"/>
             </a:pPr>
             <a:r>
-              <a:rPr lang="en-GB" sz="2400"/>
-              <a:t>On a mobile phone it may also be responsible for loading code for the modem CPU and setting up low level memory protections and security options.</a:t>
+              <a:rPr lang="en-GB" sz="2000" dirty="0"/>
+              <a:t>On a mobile phone, it may also be responsible for loading code for the modem CPU and setting up low-level memory protections and security options.</a:t>
             </a:r>
           </a:p>
         </p:txBody>
@@ -13299,7 +14567,7 @@
 </p:sld>
 </file>
 
-<file path=ppt/slides/slide24.xml><?xml version="1.0" encoding="utf-8"?>
+<file path=ppt/slides/slide25.xml><?xml version="1.0" encoding="utf-8"?>
 <p:sld xmlns:a="http://schemas.openxmlformats.org/drawingml/2006/main" xmlns:r="http://schemas.openxmlformats.org/officeDocument/2006/relationships" xmlns:p="http://schemas.openxmlformats.org/presentationml/2006/main">
   <p:cSld>
     <p:spTree>
@@ -13345,7 +14613,7 @@
           <a:lstStyle/>
           <a:p>
             <a:r>
-              <a:rPr lang="en-GB" sz="2400">
+              <a:rPr lang="en-GB" sz="2400" dirty="0">
                 <a:solidFill>
                   <a:srgbClr val="C00000"/>
                 </a:solidFill>
@@ -13353,8 +14621,8 @@
               <a:t>D</a:t>
             </a:r>
             <a:r>
-              <a:rPr lang="en-GB" sz="2400"/>
-              <a:t>. Once the boot loader is done with any special tasks it will look for a Linux kernel to boot. </a:t>
+              <a:rPr lang="en-GB" sz="2400" dirty="0"/>
+              <a:t>. Once the bootloader is done with any special tasks it will look for a Linux kernel to boot. </a:t>
             </a:r>
           </a:p>
           <a:p>
@@ -13363,7 +14631,7 @@
               <a:buChar char="•"/>
             </a:pPr>
             <a:r>
-              <a:rPr lang="en-GB" sz="2400"/>
+              <a:rPr lang="en-GB" sz="2400" dirty="0"/>
               <a:t>It will load this from the boot media (or some other source depending on system configuration) and place it in the RAM. </a:t>
             </a:r>
           </a:p>
@@ -13373,13 +14641,13 @@
               <a:buChar char="•"/>
             </a:pPr>
             <a:r>
-              <a:rPr lang="en-GB" sz="2400"/>
+              <a:rPr lang="en-GB" sz="2400" dirty="0"/>
               <a:t>It will also place some boot parameters in memory for the kernel to read when it starts up.</a:t>
             </a:r>
           </a:p>
           <a:p>
             <a:r>
-              <a:rPr lang="en-GB" sz="2400">
+              <a:rPr lang="en-GB" sz="2400" dirty="0">
                 <a:solidFill>
                   <a:srgbClr val="C00000"/>
                 </a:solidFill>
@@ -13387,7 +14655,7 @@
               <a:t>E</a:t>
             </a:r>
             <a:r>
-              <a:rPr lang="en-GB" sz="2400"/>
+              <a:rPr lang="en-GB" sz="2400" dirty="0"/>
               <a:t>. Once the boot loader is done it will perform a jump to the Linux kernel</a:t>
             </a:r>
           </a:p>
@@ -13397,7 +14665,7 @@
               <a:buChar char="•"/>
             </a:pPr>
             <a:r>
-              <a:rPr lang="en-GB" sz="2400"/>
+              <a:rPr lang="en-GB" sz="2400" dirty="0"/>
               <a:t>usually some decompression routine, and the kernel assumes system responsibility.</a:t>
             </a:r>
           </a:p>
@@ -13445,7 +14713,7 @@
 </p:sld>
 </file>
 
-<file path=ppt/slides/slide25.xml><?xml version="1.0" encoding="utf-8"?>
+<file path=ppt/slides/slide26.xml><?xml version="1.0" encoding="utf-8"?>
 <p:sld xmlns:a="http://schemas.openxmlformats.org/drawingml/2006/main" xmlns:r="http://schemas.openxmlformats.org/officeDocument/2006/relationships" xmlns:p="http://schemas.openxmlformats.org/presentationml/2006/main">
   <p:cSld>
     <p:spTree>
@@ -13519,21 +14787,21 @@
           <a:lstStyle/>
           <a:p>
             <a:r>
-              <a:rPr lang="en-GB"/>
+              <a:rPr lang="en-GB" dirty="0"/>
               <a:t>Set up everything that is needed for the system to run. </a:t>
             </a:r>
           </a:p>
           <a:p>
             <a:pPr lvl="1"/>
             <a:r>
-              <a:rPr lang="en-GB"/>
+              <a:rPr lang="en-GB" dirty="0"/>
               <a:t>Initialize interrupt controllers</a:t>
             </a:r>
           </a:p>
           <a:p>
             <a:pPr lvl="1"/>
             <a:r>
-              <a:rPr lang="en-GB"/>
+              <a:rPr lang="en-GB" dirty="0"/>
               <a:t>Set up memory protections, caches and scheduling.</a:t>
             </a:r>
           </a:p>
@@ -13543,7 +14811,7 @@
               <a:buChar char="•"/>
             </a:pPr>
             <a:r>
-              <a:rPr lang="en-GB">
+              <a:rPr lang="en-GB" dirty="0">
                 <a:solidFill>
                   <a:srgbClr val="C00000"/>
                 </a:solidFill>
@@ -13551,13 +14819,13 @@
               <a:t>A</a:t>
             </a:r>
             <a:r>
-              <a:rPr lang="en-GB"/>
+              <a:rPr lang="en-GB" dirty="0"/>
               <a:t>. Once the memory management units and caches have been initialized, the system will be able to use virtual memory and launch user space processes.</a:t>
             </a:r>
           </a:p>
           <a:p>
             <a:r>
-              <a:rPr lang="en-GB">
+              <a:rPr lang="en-GB" dirty="0">
                 <a:solidFill>
                   <a:srgbClr val="C00000"/>
                 </a:solidFill>
@@ -13565,11 +14833,11 @@
               <a:t>B</a:t>
             </a:r>
             <a:r>
-              <a:rPr lang="en-GB"/>
+              <a:rPr lang="en-GB" dirty="0"/>
               <a:t>. The kernel will look in the root file system for the </a:t>
             </a:r>
             <a:r>
-              <a:rPr lang="en-GB" i="1" err="1">
+              <a:rPr lang="en-GB" i="1" dirty="0" err="1">
                 <a:solidFill>
                   <a:srgbClr val="C00000"/>
                 </a:solidFill>
@@ -13577,11 +14845,11 @@
               <a:t>init</a:t>
             </a:r>
             <a:r>
-              <a:rPr lang="en-GB"/>
+              <a:rPr lang="en-GB" dirty="0"/>
               <a:t> process (found under </a:t>
             </a:r>
             <a:r>
-              <a:rPr lang="en-GB" i="1">
+              <a:rPr lang="en-GB" i="1" dirty="0">
                 <a:solidFill>
                   <a:srgbClr val="C00000"/>
                 </a:solidFill>
@@ -13589,17 +14857,17 @@
               <a:t>system/core/initial</a:t>
             </a:r>
             <a:r>
-              <a:rPr lang="en-GB"/>
-              <a:t> the Android open source tree) and launch it as the initial user space process.</a:t>
+              <a:rPr lang="en-GB" dirty="0"/>
+              <a:t> the Android open-source tree) and launch it as the initial user space process.</a:t>
             </a:r>
           </a:p>
           <a:p>
             <a:pPr lvl="1"/>
-            <a:endParaRPr lang="en-GB"/>
+            <a:endParaRPr lang="en-GB" dirty="0"/>
           </a:p>
           <a:p>
             <a:pPr lvl="2"/>
-            <a:endParaRPr lang="en-GB"/>
+            <a:endParaRPr lang="en-GB" dirty="0"/>
           </a:p>
         </p:txBody>
       </p:sp>
@@ -13645,7 +14913,7 @@
 </p:sld>
 </file>
 
-<file path=ppt/slides/slide26.xml><?xml version="1.0" encoding="utf-8"?>
+<file path=ppt/slides/slide27.xml><?xml version="1.0" encoding="utf-8"?>
 <p:sld xmlns:a="http://schemas.openxmlformats.org/drawingml/2006/main" xmlns:r="http://schemas.openxmlformats.org/officeDocument/2006/relationships" xmlns:p="http://schemas.openxmlformats.org/presentationml/2006/main">
   <p:cSld>
     <p:spTree>
@@ -13727,31 +14995,31 @@
           <a:lstStyle/>
           <a:p>
             <a:r>
-              <a:rPr lang="en-GB" sz="2400"/>
+              <a:rPr lang="en-GB" sz="2400" dirty="0"/>
               <a:t>The "grandmother" of all system processes. </a:t>
             </a:r>
           </a:p>
           <a:p>
             <a:r>
-              <a:rPr lang="en-GB" sz="2400"/>
+              <a:rPr lang="en-GB" sz="2400" dirty="0"/>
               <a:t>Every other process in the system will be launched from this process or one of its descendants.</a:t>
             </a:r>
           </a:p>
           <a:p>
             <a:r>
-              <a:rPr lang="en-GB" sz="2400"/>
+              <a:rPr lang="en-GB" sz="2400" dirty="0"/>
               <a:t>A. The </a:t>
             </a:r>
             <a:r>
-              <a:rPr lang="en-GB" sz="2400" err="1"/>
+              <a:rPr lang="en-GB" sz="2400" dirty="0" err="1"/>
               <a:t>init</a:t>
             </a:r>
             <a:r>
-              <a:rPr lang="en-GB" sz="2400"/>
+              <a:rPr lang="en-GB" sz="2400" dirty="0"/>
               <a:t> process in Android will look for a file called </a:t>
             </a:r>
             <a:r>
-              <a:rPr lang="en-GB" sz="2000" i="1" err="1">
+              <a:rPr lang="en-GB" sz="2000" i="1" dirty="0" err="1">
                 <a:solidFill>
                   <a:srgbClr val="C00000"/>
                 </a:solidFill>
@@ -13759,11 +15027,11 @@
               <a:t>init.rc</a:t>
             </a:r>
             <a:r>
-              <a:rPr lang="en-GB" sz="2400"/>
+              <a:rPr lang="en-GB" sz="2400" dirty="0"/>
               <a:t>. or </a:t>
             </a:r>
             <a:r>
-              <a:rPr lang="en-GB" sz="2000" i="1" err="1">
+              <a:rPr lang="en-GB" sz="2000" i="1" dirty="0" err="1">
                 <a:solidFill>
                   <a:srgbClr val="C00000"/>
                 </a:solidFill>
@@ -13771,7 +15039,7 @@
               <a:t>init</a:t>
             </a:r>
             <a:r>
-              <a:rPr lang="en-GB" sz="2000" i="1">
+              <a:rPr lang="en-GB" sz="2000" i="1" dirty="0">
                 <a:solidFill>
                   <a:srgbClr val="C00000"/>
                 </a:solidFill>
@@ -13779,7 +15047,7 @@
               <a:t>&lt;machine name&gt;.</a:t>
             </a:r>
             <a:r>
-              <a:rPr lang="en-GB" sz="2000" i="1" err="1">
+              <a:rPr lang="en-GB" sz="2000" i="1" dirty="0" err="1">
                 <a:solidFill>
                   <a:srgbClr val="C00000"/>
                 </a:solidFill>
@@ -13787,7 +15055,7 @@
               <a:t>rc</a:t>
             </a:r>
             <a:r>
-              <a:rPr lang="en-GB" sz="2000" i="1">
+              <a:rPr lang="en-GB" sz="2000" i="1" dirty="0">
                 <a:solidFill>
                   <a:srgbClr val="C00000"/>
                 </a:solidFill>
@@ -13798,18 +15066,18 @@
           <a:p>
             <a:pPr lvl="1"/>
             <a:r>
-              <a:rPr lang="en-GB" sz="2000"/>
+              <a:rPr lang="en-GB" sz="2000" dirty="0"/>
               <a:t>This is a script that describes the system services, file system and other parameters that need to be set up.</a:t>
             </a:r>
           </a:p>
           <a:p>
             <a:pPr lvl="1"/>
             <a:r>
-              <a:rPr lang="en-GB" sz="2000"/>
+              <a:rPr lang="en-GB" sz="2000" dirty="0"/>
               <a:t>The script is placed in </a:t>
             </a:r>
             <a:r>
-              <a:rPr lang="en-GB" sz="2000" i="1">
+              <a:rPr lang="en-GB" sz="2000" i="1" dirty="0">
                 <a:solidFill>
                   <a:srgbClr val="C00000"/>
                 </a:solidFill>
@@ -13817,7 +15085,7 @@
               <a:t>system/core/</a:t>
             </a:r>
             <a:r>
-              <a:rPr lang="en-GB" sz="2000" i="1" err="1">
+              <a:rPr lang="en-GB" sz="2000" i="1" dirty="0" err="1">
                 <a:solidFill>
                   <a:srgbClr val="C00000"/>
                 </a:solidFill>
@@ -13825,7 +15093,7 @@
               <a:t>rootdir</a:t>
             </a:r>
             <a:r>
-              <a:rPr lang="en-GB" sz="2000" i="1">
+              <a:rPr lang="en-GB" sz="2000" i="1" dirty="0">
                 <a:solidFill>
                   <a:srgbClr val="C00000"/>
                 </a:solidFill>
@@ -13833,29 +15101,29 @@
               <a:t> </a:t>
             </a:r>
             <a:r>
-              <a:rPr lang="en-GB" sz="2000"/>
-              <a:t>in the Android open source project.</a:t>
-            </a:r>
-          </a:p>
-          <a:p>
-            <a:r>
-              <a:rPr lang="en-GB" sz="2400"/>
+              <a:rPr lang="en-GB" sz="2000" dirty="0"/>
+              <a:t>in the Android open-source project.</a:t>
+            </a:r>
+          </a:p>
+          <a:p>
+            <a:r>
+              <a:rPr lang="en-GB" sz="2400" dirty="0"/>
               <a:t>B. The </a:t>
             </a:r>
             <a:r>
-              <a:rPr lang="en-GB" sz="2400" err="1"/>
+              <a:rPr lang="en-GB" sz="2400" dirty="0" err="1"/>
               <a:t>init</a:t>
             </a:r>
             <a:r>
-              <a:rPr lang="en-GB" sz="2400"/>
+              <a:rPr lang="en-GB" sz="2400" dirty="0"/>
               <a:t> process will parse the </a:t>
             </a:r>
             <a:r>
-              <a:rPr lang="en-GB" sz="2400" err="1"/>
+              <a:rPr lang="en-GB" sz="2400" dirty="0" err="1"/>
               <a:t>init</a:t>
             </a:r>
             <a:r>
-              <a:rPr lang="en-GB" sz="2400"/>
+              <a:rPr lang="en-GB" sz="2400" dirty="0"/>
               <a:t> script and launch the system service processes.</a:t>
             </a:r>
           </a:p>
@@ -13986,7 +15254,7 @@
 </p:sld>
 </file>
 
-<file path=ppt/slides/slide27.xml><?xml version="1.0" encoding="utf-8"?>
+<file path=ppt/slides/slide28.xml><?xml version="1.0" encoding="utf-8"?>
 <p:sld xmlns:a="http://schemas.openxmlformats.org/drawingml/2006/main" xmlns:r="http://schemas.openxmlformats.org/officeDocument/2006/relationships" xmlns:p="http://schemas.openxmlformats.org/presentationml/2006/main">
   <p:cSld>
     <p:spTree>
@@ -14025,7 +15293,7 @@
           <a:lstStyle/>
           <a:p>
             <a:r>
-              <a:rPr lang="en-US"/>
+              <a:rPr lang="en-US" dirty="0"/>
               <a:t>5. Zygote and Dalvik</a:t>
             </a:r>
           </a:p>
@@ -14058,17 +15326,17 @@
           <a:lstStyle/>
           <a:p>
             <a:r>
-              <a:rPr lang="en-GB"/>
+              <a:rPr lang="en-GB" dirty="0"/>
               <a:t>A process of Android Runtime</a:t>
             </a:r>
           </a:p>
           <a:p>
             <a:r>
-              <a:rPr lang="en-GB"/>
+              <a:rPr lang="en-GB" dirty="0"/>
               <a:t>The Zygote is launched by the </a:t>
             </a:r>
             <a:r>
-              <a:rPr lang="en-GB" i="1" err="1">
+              <a:rPr lang="en-GB" i="1" dirty="0" err="1">
                 <a:solidFill>
                   <a:srgbClr val="C00000"/>
                 </a:solidFill>
@@ -14076,26 +15344,18 @@
               <a:t>init</a:t>
             </a:r>
             <a:r>
-              <a:rPr lang="en-GB"/>
-              <a:t> process and will basically just start executing and initialize the Dalvik VM.</a:t>
-            </a:r>
-          </a:p>
-          <a:p>
-            <a:r>
-              <a:rPr lang="en-GB"/>
-              <a:t>Zygote enables code sharing across the Dalvik VM, achieving a lower memory footprint and minimal </a:t>
-            </a:r>
-            <a:r>
-              <a:rPr lang="en-GB" err="1"/>
-              <a:t>startup</a:t>
-            </a:r>
-            <a:r>
-              <a:rPr lang="en-GB"/>
-              <a:t> time.</a:t>
-            </a:r>
-          </a:p>
-          <a:p>
-            <a:endParaRPr lang="en-US"/>
+              <a:rPr lang="en-GB" dirty="0"/>
+              <a:t> process and will basically just start executing and initializing the Dalvik VM.</a:t>
+            </a:r>
+          </a:p>
+          <a:p>
+            <a:r>
+              <a:rPr lang="en-GB" dirty="0"/>
+              <a:t>Zygote enables code sharing across the Dalvik VM, achieving a lower memory footprint and minimal startup time.</a:t>
+            </a:r>
+          </a:p>
+          <a:p>
+            <a:endParaRPr lang="en-US" dirty="0"/>
           </a:p>
         </p:txBody>
       </p:sp>
@@ -14141,7 +15401,7 @@
 </p:sld>
 </file>
 
-<file path=ppt/slides/slide28.xml><?xml version="1.0" encoding="utf-8"?>
+<file path=ppt/slides/slide29.xml><?xml version="1.0" encoding="utf-8"?>
 <p:sld xmlns:a="http://schemas.openxmlformats.org/drawingml/2006/main" xmlns:r="http://schemas.openxmlformats.org/officeDocument/2006/relationships" xmlns:p="http://schemas.openxmlformats.org/presentationml/2006/main">
   <p:cSld>
     <p:spTree>
@@ -14330,129 +15590,6 @@
     <p:extLst>
       <p:ext uri="{BB962C8B-B14F-4D97-AF65-F5344CB8AC3E}">
         <p14:creationId xmlns:p14="http://schemas.microsoft.com/office/powerpoint/2010/main" val="2454898931"/>
-      </p:ext>
-    </p:extLst>
-  </p:cSld>
-  <p:clrMapOvr>
-    <a:masterClrMapping/>
-  </p:clrMapOvr>
-</p:sld>
-</file>
-
-<file path=ppt/slides/slide29.xml><?xml version="1.0" encoding="utf-8"?>
-<p:sld xmlns:a="http://schemas.openxmlformats.org/drawingml/2006/main" xmlns:r="http://schemas.openxmlformats.org/officeDocument/2006/relationships" xmlns:p="http://schemas.openxmlformats.org/presentationml/2006/main">
-  <p:cSld>
-    <p:spTree>
-      <p:nvGrpSpPr>
-        <p:cNvPr id="1" name=""/>
-        <p:cNvGrpSpPr/>
-        <p:nvPr/>
-      </p:nvGrpSpPr>
-      <p:grpSpPr>
-        <a:xfrm>
-          <a:off x="0" y="0"/>
-          <a:ext cx="0" cy="0"/>
-          <a:chOff x="0" y="0"/>
-          <a:chExt cx="0" cy="0"/>
-        </a:xfrm>
-      </p:grpSpPr>
-      <p:sp>
-        <p:nvSpPr>
-          <p:cNvPr id="2" name="Title 1">
-            <a:extLst>
-              <a:ext uri="{FF2B5EF4-FFF2-40B4-BE49-F238E27FC236}">
-                <a16:creationId xmlns:a16="http://schemas.microsoft.com/office/drawing/2014/main" id="{6CFC5950-2F37-4EAE-849B-34486101B6CD}"/>
-              </a:ext>
-            </a:extLst>
-          </p:cNvPr>
-          <p:cNvSpPr>
-            <a:spLocks noGrp="1"/>
-          </p:cNvSpPr>
-          <p:nvPr>
-            <p:ph type="title"/>
-          </p:nvPr>
-        </p:nvSpPr>
-        <p:spPr/>
-        <p:txBody>
-          <a:bodyPr/>
-          <a:lstStyle/>
-          <a:p>
-            <a:r>
-              <a:rPr lang="en-US"/>
-              <a:t>7. Start your own service</a:t>
-            </a:r>
-          </a:p>
-        </p:txBody>
-      </p:sp>
-      <p:sp>
-        <p:nvSpPr>
-          <p:cNvPr id="3" name="Content Placeholder 2">
-            <a:extLst>
-              <a:ext uri="{FF2B5EF4-FFF2-40B4-BE49-F238E27FC236}">
-                <a16:creationId xmlns:a16="http://schemas.microsoft.com/office/drawing/2014/main" id="{B135DCB7-DD4E-4793-B040-EBB15CD7ED85}"/>
-              </a:ext>
-            </a:extLst>
-          </p:cNvPr>
-          <p:cNvSpPr>
-            <a:spLocks noGrp="1"/>
-          </p:cNvSpPr>
-          <p:nvPr>
-            <p:ph idx="1"/>
-          </p:nvPr>
-        </p:nvSpPr>
-        <p:spPr/>
-        <p:txBody>
-          <a:bodyPr>
-            <a:normAutofit/>
-          </a:bodyPr>
-          <a:lstStyle/>
-          <a:p>
-            <a:r>
-              <a:rPr lang="en-GB"/>
-              <a:t>Once the System Server is up and running and the system boot has completed </a:t>
-            </a:r>
-          </a:p>
-          <a:p>
-            <a:pPr lvl="1"/>
-            <a:r>
-              <a:rPr lang="en-GB"/>
-              <a:t>there is a standard broadcast action called ACTION_BOOT_COMPLETED. </a:t>
-            </a:r>
-          </a:p>
-          <a:p>
-            <a:r>
-              <a:rPr lang="en-GB"/>
-              <a:t>To start your own service</a:t>
-            </a:r>
-          </a:p>
-          <a:p>
-            <a:pPr lvl="1"/>
-            <a:r>
-              <a:rPr lang="en-GB"/>
-              <a:t>register an alarm or otherwise make your application perform some action after boot</a:t>
-            </a:r>
-          </a:p>
-          <a:p>
-            <a:pPr lvl="1"/>
-            <a:r>
-              <a:rPr lang="en-GB"/>
-              <a:t>register to receive this broadcast intent.</a:t>
-            </a:r>
-          </a:p>
-          <a:p>
-            <a:pPr lvl="1"/>
-            <a:endParaRPr lang="en-GB"/>
-          </a:p>
-          <a:p>
-            <a:pPr lvl="2"/>
-            <a:endParaRPr lang="en-GB"/>
-          </a:p>
-        </p:txBody>
-      </p:sp>
-    </p:spTree>
-    <p:extLst>
-      <p:ext uri="{BB962C8B-B14F-4D97-AF65-F5344CB8AC3E}">
-        <p14:creationId xmlns:p14="http://schemas.microsoft.com/office/powerpoint/2010/main" val="1077324671"/>
       </p:ext>
     </p:extLst>
   </p:cSld>
@@ -14657,6 +15794,129 @@
 <file path=ppt/slides/slide30.xml><?xml version="1.0" encoding="utf-8"?>
 <p:sld xmlns:a="http://schemas.openxmlformats.org/drawingml/2006/main" xmlns:r="http://schemas.openxmlformats.org/officeDocument/2006/relationships" xmlns:p="http://schemas.openxmlformats.org/presentationml/2006/main">
   <p:cSld>
+    <p:spTree>
+      <p:nvGrpSpPr>
+        <p:cNvPr id="1" name=""/>
+        <p:cNvGrpSpPr/>
+        <p:nvPr/>
+      </p:nvGrpSpPr>
+      <p:grpSpPr>
+        <a:xfrm>
+          <a:off x="0" y="0"/>
+          <a:ext cx="0" cy="0"/>
+          <a:chOff x="0" y="0"/>
+          <a:chExt cx="0" cy="0"/>
+        </a:xfrm>
+      </p:grpSpPr>
+      <p:sp>
+        <p:nvSpPr>
+          <p:cNvPr id="2" name="Title 1">
+            <a:extLst>
+              <a:ext uri="{FF2B5EF4-FFF2-40B4-BE49-F238E27FC236}">
+                <a16:creationId xmlns:a16="http://schemas.microsoft.com/office/drawing/2014/main" id="{6CFC5950-2F37-4EAE-849B-34486101B6CD}"/>
+              </a:ext>
+            </a:extLst>
+          </p:cNvPr>
+          <p:cNvSpPr>
+            <a:spLocks noGrp="1"/>
+          </p:cNvSpPr>
+          <p:nvPr>
+            <p:ph type="title"/>
+          </p:nvPr>
+        </p:nvSpPr>
+        <p:spPr/>
+        <p:txBody>
+          <a:bodyPr/>
+          <a:lstStyle/>
+          <a:p>
+            <a:r>
+              <a:rPr lang="en-US"/>
+              <a:t>7. Start your own service</a:t>
+            </a:r>
+          </a:p>
+        </p:txBody>
+      </p:sp>
+      <p:sp>
+        <p:nvSpPr>
+          <p:cNvPr id="3" name="Content Placeholder 2">
+            <a:extLst>
+              <a:ext uri="{FF2B5EF4-FFF2-40B4-BE49-F238E27FC236}">
+                <a16:creationId xmlns:a16="http://schemas.microsoft.com/office/drawing/2014/main" id="{B135DCB7-DD4E-4793-B040-EBB15CD7ED85}"/>
+              </a:ext>
+            </a:extLst>
+          </p:cNvPr>
+          <p:cNvSpPr>
+            <a:spLocks noGrp="1"/>
+          </p:cNvSpPr>
+          <p:nvPr>
+            <p:ph idx="1"/>
+          </p:nvPr>
+        </p:nvSpPr>
+        <p:spPr/>
+        <p:txBody>
+          <a:bodyPr>
+            <a:normAutofit/>
+          </a:bodyPr>
+          <a:lstStyle/>
+          <a:p>
+            <a:r>
+              <a:rPr lang="en-GB"/>
+              <a:t>Once the System Server is up and running and the system boot has completed </a:t>
+            </a:r>
+          </a:p>
+          <a:p>
+            <a:pPr lvl="1"/>
+            <a:r>
+              <a:rPr lang="en-GB"/>
+              <a:t>there is a standard broadcast action called ACTION_BOOT_COMPLETED. </a:t>
+            </a:r>
+          </a:p>
+          <a:p>
+            <a:r>
+              <a:rPr lang="en-GB"/>
+              <a:t>To start your own service</a:t>
+            </a:r>
+          </a:p>
+          <a:p>
+            <a:pPr lvl="1"/>
+            <a:r>
+              <a:rPr lang="en-GB"/>
+              <a:t>register an alarm or otherwise make your application perform some action after boot</a:t>
+            </a:r>
+          </a:p>
+          <a:p>
+            <a:pPr lvl="1"/>
+            <a:r>
+              <a:rPr lang="en-GB"/>
+              <a:t>register to receive this broadcast intent.</a:t>
+            </a:r>
+          </a:p>
+          <a:p>
+            <a:pPr lvl="1"/>
+            <a:endParaRPr lang="en-GB"/>
+          </a:p>
+          <a:p>
+            <a:pPr lvl="2"/>
+            <a:endParaRPr lang="en-GB"/>
+          </a:p>
+        </p:txBody>
+      </p:sp>
+    </p:spTree>
+    <p:extLst>
+      <p:ext uri="{BB962C8B-B14F-4D97-AF65-F5344CB8AC3E}">
+        <p14:creationId xmlns:p14="http://schemas.microsoft.com/office/powerpoint/2010/main" val="1077324671"/>
+      </p:ext>
+    </p:extLst>
+  </p:cSld>
+  <p:clrMapOvr>
+    <a:masterClrMapping/>
+  </p:clrMapOvr>
+</p:sld>
+</file>
+
+<file path=ppt/slides/slide31.xml><?xml version="1.0" encoding="utf-8"?>
+<p:sld xmlns:a="http://schemas.openxmlformats.org/drawingml/2006/main" xmlns:r="http://schemas.openxmlformats.org/officeDocument/2006/relationships" xmlns:p="http://schemas.openxmlformats.org/presentationml/2006/main">
+  <p:cSld>
     <p:bg>
       <p:bgPr>
         <a:solidFill>
@@ -14859,7 +16119,7 @@
 </p:sld>
 </file>
 
-<file path=ppt/slides/slide31.xml><?xml version="1.0" encoding="utf-8"?>
+<file path=ppt/slides/slide32.xml><?xml version="1.0" encoding="utf-8"?>
 <p:sld xmlns:a="http://schemas.openxmlformats.org/drawingml/2006/main" xmlns:r="http://schemas.openxmlformats.org/officeDocument/2006/relationships" xmlns:p="http://schemas.openxmlformats.org/presentationml/2006/main">
   <p:cSld>
     <p:spTree>
@@ -14945,7 +16205,7 @@
 </p:sld>
 </file>
 
-<file path=ppt/slides/slide32.xml><?xml version="1.0" encoding="utf-8"?>
+<file path=ppt/slides/slide33.xml><?xml version="1.0" encoding="utf-8"?>
 <p:sld xmlns:a="http://schemas.openxmlformats.org/drawingml/2006/main" xmlns:r="http://schemas.openxmlformats.org/officeDocument/2006/relationships" xmlns:p="http://schemas.openxmlformats.org/presentationml/2006/main">
   <p:cSld>
     <p:spTree>
@@ -15206,230 +16466,6 @@
 </p:sld>
 </file>
 
-<file path=ppt/slides/slide33.xml><?xml version="1.0" encoding="utf-8"?>
-<p:sld xmlns:a="http://schemas.openxmlformats.org/drawingml/2006/main" xmlns:r="http://schemas.openxmlformats.org/officeDocument/2006/relationships" xmlns:p="http://schemas.openxmlformats.org/presentationml/2006/main">
-  <p:cSld>
-    <p:spTree>
-      <p:nvGrpSpPr>
-        <p:cNvPr id="1" name=""/>
-        <p:cNvGrpSpPr/>
-        <p:nvPr/>
-      </p:nvGrpSpPr>
-      <p:grpSpPr>
-        <a:xfrm>
-          <a:off x="0" y="0"/>
-          <a:ext cx="0" cy="0"/>
-          <a:chOff x="0" y="0"/>
-          <a:chExt cx="0" cy="0"/>
-        </a:xfrm>
-      </p:grpSpPr>
-      <p:sp>
-        <p:nvSpPr>
-          <p:cNvPr id="2" name="Title 1">
-            <a:extLst>
-              <a:ext uri="{FF2B5EF4-FFF2-40B4-BE49-F238E27FC236}">
-                <a16:creationId xmlns:a16="http://schemas.microsoft.com/office/drawing/2014/main" id="{222710F8-F1FB-4957-BDFB-7B2201634297}"/>
-              </a:ext>
-            </a:extLst>
-          </p:cNvPr>
-          <p:cNvSpPr>
-            <a:spLocks noGrp="1"/>
-          </p:cNvSpPr>
-          <p:nvPr>
-            <p:ph type="title"/>
-          </p:nvPr>
-        </p:nvSpPr>
-        <p:spPr/>
-        <p:txBody>
-          <a:bodyPr/>
-          <a:lstStyle/>
-          <a:p>
-            <a:r>
-              <a:rPr lang="en-US"/>
-              <a:t>Common partitions (continues) </a:t>
-            </a:r>
-          </a:p>
-        </p:txBody>
-      </p:sp>
-      <p:sp>
-        <p:nvSpPr>
-          <p:cNvPr id="3" name="Content Placeholder 2">
-            <a:extLst>
-              <a:ext uri="{FF2B5EF4-FFF2-40B4-BE49-F238E27FC236}">
-                <a16:creationId xmlns:a16="http://schemas.microsoft.com/office/drawing/2014/main" id="{A04D11FA-C1EE-4577-BC52-CD42CBD00CC6}"/>
-              </a:ext>
-            </a:extLst>
-          </p:cNvPr>
-          <p:cNvSpPr>
-            <a:spLocks noGrp="1"/>
-          </p:cNvSpPr>
-          <p:nvPr>
-            <p:ph idx="1"/>
-          </p:nvPr>
-        </p:nvSpPr>
-        <p:spPr/>
-        <p:txBody>
-          <a:bodyPr>
-            <a:normAutofit lnSpcReduction="10000"/>
-          </a:bodyPr>
-          <a:lstStyle/>
-          <a:p>
-            <a:r>
-              <a:rPr lang="en-US" sz="2400" dirty="0">
-                <a:solidFill>
-                  <a:srgbClr val="FF0000"/>
-                </a:solidFill>
-              </a:rPr>
-              <a:t>/data: </a:t>
-            </a:r>
-            <a:r>
-              <a:rPr lang="en-US" sz="2000" dirty="0"/>
-              <a:t>called </a:t>
-            </a:r>
-            <a:r>
-              <a:rPr lang="en-US" sz="2000" i="1" u="sng" dirty="0" err="1"/>
-              <a:t>userdata</a:t>
-            </a:r>
-            <a:r>
-              <a:rPr lang="en-US" sz="2000" dirty="0"/>
-              <a:t>, </a:t>
-            </a:r>
-          </a:p>
-          <a:p>
-            <a:pPr lvl="1"/>
-            <a:r>
-              <a:rPr lang="en-US" sz="2000" dirty="0"/>
-              <a:t>including </a:t>
-            </a:r>
-            <a:r>
-              <a:rPr lang="en-GB" sz="2000" dirty="0"/>
-              <a:t>contacts, messages, settings, and installed apps </a:t>
-            </a:r>
-          </a:p>
-          <a:p>
-            <a:pPr lvl="1"/>
-            <a:r>
-              <a:rPr lang="en-GB" sz="2000" dirty="0"/>
-              <a:t>factory reset will wipe it </a:t>
-            </a:r>
-          </a:p>
-          <a:p>
-            <a:pPr lvl="1"/>
-            <a:r>
-              <a:rPr lang="en-GB" sz="2000" dirty="0">
-                <a:highlight>
-                  <a:srgbClr val="FFFF00"/>
-                </a:highlight>
-              </a:rPr>
-              <a:t>many forensic information can be found here</a:t>
-            </a:r>
-          </a:p>
-          <a:p>
-            <a:r>
-              <a:rPr lang="en-GB" sz="2400" dirty="0">
-                <a:solidFill>
-                  <a:srgbClr val="FF0000"/>
-                </a:solidFill>
-              </a:rPr>
-              <a:t>/metadata: </a:t>
-            </a:r>
-            <a:r>
-              <a:rPr lang="en-GB" sz="2000" dirty="0">
-                <a:solidFill>
-                  <a:srgbClr val="FF0000"/>
-                </a:solidFill>
-              </a:rPr>
-              <a:t> </a:t>
-            </a:r>
-            <a:r>
-              <a:rPr lang="en-GB" sz="2000" dirty="0"/>
-              <a:t>is used when a device is encrypted</a:t>
-            </a:r>
-          </a:p>
-          <a:p>
-            <a:r>
-              <a:rPr lang="en-US" sz="2400" dirty="0">
-                <a:solidFill>
-                  <a:srgbClr val="FF0000"/>
-                </a:solidFill>
-              </a:rPr>
-              <a:t>/cache</a:t>
-            </a:r>
-          </a:p>
-          <a:p>
-            <a:pPr lvl="1"/>
-            <a:r>
-              <a:rPr lang="en-GB" sz="2000" dirty="0"/>
-              <a:t>stores frequently accessed data</a:t>
-            </a:r>
-          </a:p>
-          <a:p>
-            <a:pPr lvl="1"/>
-            <a:r>
-              <a:rPr lang="en-GB" sz="2000" dirty="0"/>
-              <a:t>forensics data can be found here before it is wiped</a:t>
-            </a:r>
-          </a:p>
-          <a:p>
-            <a:r>
-              <a:rPr lang="en-US" sz="2400" dirty="0">
-                <a:solidFill>
-                  <a:srgbClr val="FF0000"/>
-                </a:solidFill>
-              </a:rPr>
-              <a:t>/</a:t>
-            </a:r>
-            <a:r>
-              <a:rPr lang="en-US" sz="2400" dirty="0" err="1">
-                <a:solidFill>
-                  <a:srgbClr val="FF0000"/>
-                </a:solidFill>
-              </a:rPr>
-              <a:t>misc</a:t>
-            </a:r>
-            <a:endParaRPr lang="en-US" sz="2400" dirty="0">
-              <a:solidFill>
-                <a:srgbClr val="FF0000"/>
-              </a:solidFill>
-            </a:endParaRPr>
-          </a:p>
-          <a:p>
-            <a:pPr lvl="1"/>
-            <a:r>
-              <a:rPr lang="en-GB" sz="2000" dirty="0"/>
-              <a:t>miscellaneous system settings in the form of on/off switches </a:t>
-            </a:r>
-          </a:p>
-          <a:p>
-            <a:pPr lvl="1"/>
-            <a:r>
-              <a:rPr lang="en-GB" sz="2000" dirty="0"/>
-              <a:t>may include CID (Carrier or Region ID), USB configuration and certain hardware settings, etc</a:t>
-            </a:r>
-          </a:p>
-          <a:p>
-            <a:pPr lvl="1"/>
-            <a:r>
-              <a:rPr lang="en-GB" sz="2000" dirty="0"/>
-              <a:t>if it is corrupt or missing, several of the device’s features will not function normally</a:t>
-            </a:r>
-            <a:endParaRPr lang="en-US" sz="2000" dirty="0"/>
-          </a:p>
-        </p:txBody>
-      </p:sp>
-    </p:spTree>
-    <p:extLst>
-      <p:ext uri="{BB962C8B-B14F-4D97-AF65-F5344CB8AC3E}">
-        <p14:creationId xmlns:p14="http://schemas.microsoft.com/office/powerpoint/2010/main" val="3156258806"/>
-      </p:ext>
-    </p:extLst>
-  </p:cSld>
-  <p:clrMapOvr>
-    <a:masterClrMapping/>
-  </p:clrMapOvr>
-</p:sld>
-</file>
-
 <file path=ppt/slides/slide34.xml><?xml version="1.0" encoding="utf-8"?>
 <p:sld xmlns:a="http://schemas.openxmlformats.org/drawingml/2006/main" xmlns:r="http://schemas.openxmlformats.org/officeDocument/2006/relationships" xmlns:p="http://schemas.openxmlformats.org/presentationml/2006/main">
   <p:cSld>
@@ -15494,12 +16530,109 @@
         <p:spPr/>
         <p:txBody>
           <a:bodyPr>
-            <a:normAutofit fontScale="92500" lnSpcReduction="20000"/>
+            <a:normAutofit lnSpcReduction="10000"/>
           </a:bodyPr>
           <a:lstStyle/>
           <a:p>
             <a:r>
-              <a:rPr lang="en-US" altLang="zh-CN" sz="2400">
+              <a:rPr lang="en-US" sz="2400" dirty="0">
+                <a:solidFill>
+                  <a:srgbClr val="FF0000"/>
+                </a:solidFill>
+              </a:rPr>
+              <a:t>/data: </a:t>
+            </a:r>
+            <a:r>
+              <a:rPr lang="en-US" sz="2000" dirty="0"/>
+              <a:t>called </a:t>
+            </a:r>
+            <a:r>
+              <a:rPr lang="en-US" sz="2000" i="1" u="sng" dirty="0" err="1"/>
+              <a:t>userdata</a:t>
+            </a:r>
+            <a:r>
+              <a:rPr lang="en-US" sz="2000" dirty="0"/>
+              <a:t>, </a:t>
+            </a:r>
+          </a:p>
+          <a:p>
+            <a:pPr lvl="1"/>
+            <a:r>
+              <a:rPr lang="en-US" sz="2000" dirty="0"/>
+              <a:t>including </a:t>
+            </a:r>
+            <a:r>
+              <a:rPr lang="en-GB" sz="2000" dirty="0"/>
+              <a:t>contacts, messages, settings, and installed apps </a:t>
+            </a:r>
+          </a:p>
+          <a:p>
+            <a:pPr lvl="1"/>
+            <a:r>
+              <a:rPr lang="en-GB" sz="2000" dirty="0"/>
+              <a:t>factory reset will wipe it </a:t>
+            </a:r>
+          </a:p>
+          <a:p>
+            <a:pPr lvl="1"/>
+            <a:r>
+              <a:rPr lang="en-GB" sz="2000" dirty="0">
+                <a:highlight>
+                  <a:srgbClr val="FFFF00"/>
+                </a:highlight>
+              </a:rPr>
+              <a:t>many forensic information can be found here</a:t>
+            </a:r>
+          </a:p>
+          <a:p>
+            <a:r>
+              <a:rPr lang="en-GB" sz="2400" dirty="0">
+                <a:solidFill>
+                  <a:srgbClr val="FF0000"/>
+                </a:solidFill>
+              </a:rPr>
+              <a:t>/metadata: </a:t>
+            </a:r>
+            <a:r>
+              <a:rPr lang="en-GB" sz="2000" dirty="0">
+                <a:solidFill>
+                  <a:srgbClr val="FF0000"/>
+                </a:solidFill>
+              </a:rPr>
+              <a:t> </a:t>
+            </a:r>
+            <a:r>
+              <a:rPr lang="en-GB" sz="2000" dirty="0"/>
+              <a:t>is used when a device is encrypted</a:t>
+            </a:r>
+          </a:p>
+          <a:p>
+            <a:r>
+              <a:rPr lang="en-US" sz="2400" dirty="0">
+                <a:solidFill>
+                  <a:srgbClr val="FF0000"/>
+                </a:solidFill>
+              </a:rPr>
+              <a:t>/cache</a:t>
+            </a:r>
+          </a:p>
+          <a:p>
+            <a:pPr lvl="1"/>
+            <a:r>
+              <a:rPr lang="en-GB" sz="2000" dirty="0"/>
+              <a:t>stores frequently accessed data</a:t>
+            </a:r>
+          </a:p>
+          <a:p>
+            <a:pPr lvl="1"/>
+            <a:r>
+              <a:rPr lang="en-GB" sz="2000" dirty="0"/>
+              <a:t>forensics data can be found here before it is wiped</a:t>
+            </a:r>
+          </a:p>
+          <a:p>
+            <a:r>
+              <a:rPr lang="en-US" sz="2400" dirty="0">
                 <a:solidFill>
                   <a:srgbClr val="FF0000"/>
                 </a:solidFill>
@@ -15507,14 +16640,14 @@
               <a:t>/</a:t>
             </a:r>
             <a:r>
-              <a:rPr lang="en-US" sz="2400" err="1">
+              <a:rPr lang="en-US" sz="2400" dirty="0" err="1">
                 <a:solidFill>
                   <a:srgbClr val="FF0000"/>
                 </a:solidFill>
               </a:rPr>
-              <a:t>sdcard</a:t>
-            </a:r>
-            <a:endParaRPr lang="en-US" sz="2400">
+              <a:t>misc</a:t>
+            </a:r>
+            <a:endParaRPr lang="en-US" sz="2400" dirty="0">
               <a:solidFill>
                 <a:srgbClr val="FF0000"/>
               </a:solidFill>
@@ -15523,166 +16656,31 @@
           <a:p>
             <a:pPr lvl="1"/>
             <a:r>
-              <a:rPr lang="en-GB" sz="2000"/>
-              <a:t>SD storage space to store your media, documents, downloads, pictures, videos, ROMs etc. </a:t>
+              <a:rPr lang="en-GB" sz="2000" dirty="0"/>
+              <a:t>miscellaneous system settings in the form of on/off switches </a:t>
             </a:r>
           </a:p>
           <a:p>
             <a:pPr lvl="1"/>
             <a:r>
-              <a:rPr lang="en-GB" sz="2000"/>
-              <a:t>a </a:t>
-            </a:r>
-            <a:r>
-              <a:rPr lang="en-GB" sz="2000" err="1"/>
-              <a:t>symlink</a:t>
-            </a:r>
-            <a:r>
-              <a:rPr lang="en-GB" sz="2000"/>
-              <a:t> to </a:t>
-            </a:r>
-            <a:r>
-              <a:rPr lang="en-GB" sz="2000" i="1">
-                <a:solidFill>
-                  <a:srgbClr val="FF0000"/>
-                </a:solidFill>
-              </a:rPr>
-              <a:t>/storage/emulated/0 </a:t>
-            </a:r>
-            <a:r>
-              <a:rPr lang="en-GB" sz="2000"/>
-              <a:t>(</a:t>
-            </a:r>
-            <a:r>
-              <a:rPr lang="en-GB" sz="2100"/>
-              <a:t>for </a:t>
-            </a:r>
-            <a:r>
-              <a:rPr lang="en-US" sz="2100"/>
-              <a:t>compatibility)</a:t>
-            </a:r>
-            <a:endParaRPr lang="en-GB" sz="2100"/>
-          </a:p>
-          <a:p>
-            <a:r>
-              <a:rPr lang="en-GB" sz="2400">
-                <a:solidFill>
-                  <a:srgbClr val="FF0000"/>
-                </a:solidFill>
-              </a:rPr>
-              <a:t>/</a:t>
-            </a:r>
-            <a:r>
-              <a:rPr lang="en-GB" sz="2400" err="1">
-                <a:solidFill>
-                  <a:srgbClr val="FF0000"/>
-                </a:solidFill>
-              </a:rPr>
-              <a:t>sd-ext</a:t>
-            </a:r>
-            <a:endParaRPr lang="en-GB" sz="2400">
-              <a:solidFill>
-                <a:srgbClr val="FF0000"/>
-              </a:solidFill>
-            </a:endParaRPr>
+              <a:rPr lang="en-GB" sz="2000" dirty="0"/>
+              <a:t>may include CID (Carrier or Region ID), USB configuration and certain hardware settings, etc</a:t>
+            </a:r>
           </a:p>
           <a:p>
             <a:pPr lvl="1"/>
             <a:r>
-              <a:rPr lang="en-GB" sz="2000"/>
-              <a:t>not a standard Android partition, but has become popular in the custom ROM scene</a:t>
-            </a:r>
-          </a:p>
-          <a:p>
-            <a:pPr lvl="1"/>
-            <a:r>
-              <a:rPr lang="en-GB" sz="2000"/>
-              <a:t>an additional partition on your SD card that acts as the </a:t>
-            </a:r>
-            <a:r>
-              <a:rPr lang="en-GB" sz="2000">
-                <a:solidFill>
-                  <a:srgbClr val="FF0000"/>
-                </a:solidFill>
-              </a:rPr>
-              <a:t>/data </a:t>
-            </a:r>
-            <a:r>
-              <a:rPr lang="en-GB" sz="2000"/>
-              <a:t>partition when used with certain ROMs that have special features called APP2SD+ or data2ext enabled. </a:t>
-            </a:r>
-          </a:p>
-          <a:p>
-            <a:r>
-              <a:rPr lang="en-GB" sz="2400">
-                <a:solidFill>
-                  <a:srgbClr val="FF0000"/>
-                </a:solidFill>
-              </a:rPr>
-              <a:t>/Product</a:t>
-            </a:r>
-          </a:p>
-          <a:p>
-            <a:pPr lvl="1"/>
-            <a:r>
-              <a:rPr lang="en-GB" sz="2100"/>
-              <a:t>contain customizations (e.g., </a:t>
-            </a:r>
-            <a:r>
-              <a:rPr lang="en-US" sz="2100"/>
-              <a:t>locales or carriers ) </a:t>
-            </a:r>
-            <a:r>
-              <a:rPr lang="en-GB" sz="2100"/>
-              <a:t>makes Android possible to use a single system image for multiple software</a:t>
-            </a:r>
-          </a:p>
-          <a:p>
-            <a:r>
-              <a:rPr lang="en-GB" sz="2400">
-                <a:solidFill>
-                  <a:srgbClr val="FF0000"/>
-                </a:solidFill>
-              </a:rPr>
-              <a:t>/</a:t>
-            </a:r>
-            <a:r>
-              <a:rPr lang="en-US" sz="2400">
-                <a:solidFill>
-                  <a:srgbClr val="FF0000"/>
-                </a:solidFill>
-              </a:rPr>
-              <a:t>vendor</a:t>
-            </a:r>
-          </a:p>
-          <a:p>
-            <a:pPr lvl="1"/>
-            <a:r>
-              <a:rPr lang="en-US" sz="2000"/>
-              <a:t>vendor specific binary</a:t>
-            </a:r>
-            <a:endParaRPr lang="en-GB" sz="2000"/>
-          </a:p>
-          <a:p>
-            <a:pPr lvl="1"/>
-            <a:r>
-              <a:rPr lang="en-GB" sz="2000"/>
-              <a:t>contains any binary that isn't distributable to AOSP. </a:t>
-            </a:r>
-          </a:p>
-          <a:p>
-            <a:pPr lvl="1"/>
-            <a:r>
-              <a:rPr lang="en-GB" sz="2000"/>
-              <a:t>share code based on SoC (system on a chip)</a:t>
-            </a:r>
+              <a:rPr lang="en-GB" sz="2000" dirty="0"/>
+              <a:t>if it is corrupt or missing, several of the device’s features will not function normally</a:t>
+            </a:r>
+            <a:endParaRPr lang="en-US" sz="2000" dirty="0"/>
           </a:p>
         </p:txBody>
       </p:sp>
     </p:spTree>
     <p:extLst>
       <p:ext uri="{BB962C8B-B14F-4D97-AF65-F5344CB8AC3E}">
-        <p14:creationId xmlns:p14="http://schemas.microsoft.com/office/powerpoint/2010/main" val="3873850888"/>
+        <p14:creationId xmlns:p14="http://schemas.microsoft.com/office/powerpoint/2010/main" val="3156258806"/>
       </p:ext>
     </p:extLst>
   </p:cSld>
@@ -15711,10 +16709,10 @@
       </p:grpSpPr>
       <p:sp>
         <p:nvSpPr>
-          <p:cNvPr id="4" name="Title 3">
+          <p:cNvPr id="2" name="Title 1">
             <a:extLst>
               <a:ext uri="{FF2B5EF4-FFF2-40B4-BE49-F238E27FC236}">
-                <a16:creationId xmlns:a16="http://schemas.microsoft.com/office/drawing/2014/main" id="{39DA6231-6EE4-4B4C-AD8B-E8EF9D7862EB}"/>
+                <a16:creationId xmlns:a16="http://schemas.microsoft.com/office/drawing/2014/main" id="{222710F8-F1FB-4957-BDFB-7B2201634297}"/>
               </a:ext>
             </a:extLst>
           </p:cNvPr>
@@ -15732,17 +16730,17 @@
           <a:p>
             <a:r>
               <a:rPr lang="en-US"/>
-              <a:t>Acquisition</a:t>
-            </a:r>
-          </a:p>
-        </p:txBody>
-      </p:sp>
-      <p:sp>
-        <p:nvSpPr>
-          <p:cNvPr id="5" name="Text Placeholder 4">
+              <a:t>Common partitions (continues) </a:t>
+            </a:r>
+          </a:p>
+        </p:txBody>
+      </p:sp>
+      <p:sp>
+        <p:nvSpPr>
+          <p:cNvPr id="3" name="Content Placeholder 2">
             <a:extLst>
               <a:ext uri="{FF2B5EF4-FFF2-40B4-BE49-F238E27FC236}">
-                <a16:creationId xmlns:a16="http://schemas.microsoft.com/office/drawing/2014/main" id="{653F56D8-D8A0-48BC-9F4A-DD781FC269C0}"/>
+                <a16:creationId xmlns:a16="http://schemas.microsoft.com/office/drawing/2014/main" id="{A04D11FA-C1EE-4577-BC52-CD42CBD00CC6}"/>
               </a:ext>
             </a:extLst>
           </p:cNvPr>
@@ -15750,22 +16748,201 @@
             <a:spLocks noGrp="1"/>
           </p:cNvSpPr>
           <p:nvPr>
-            <p:ph type="body" idx="1"/>
+            <p:ph idx="1"/>
           </p:nvPr>
         </p:nvSpPr>
         <p:spPr/>
         <p:txBody>
-          <a:bodyPr/>
+          <a:bodyPr>
+            <a:normAutofit fontScale="92500" lnSpcReduction="20000"/>
+          </a:bodyPr>
           <a:lstStyle/>
           <a:p>
-            <a:endParaRPr lang="en-US"/>
+            <a:r>
+              <a:rPr lang="en-US" altLang="zh-CN" sz="2400">
+                <a:solidFill>
+                  <a:srgbClr val="FF0000"/>
+                </a:solidFill>
+              </a:rPr>
+              <a:t>/</a:t>
+            </a:r>
+            <a:r>
+              <a:rPr lang="en-US" sz="2400" err="1">
+                <a:solidFill>
+                  <a:srgbClr val="FF0000"/>
+                </a:solidFill>
+              </a:rPr>
+              <a:t>sdcard</a:t>
+            </a:r>
+            <a:endParaRPr lang="en-US" sz="2400">
+              <a:solidFill>
+                <a:srgbClr val="FF0000"/>
+              </a:solidFill>
+            </a:endParaRPr>
+          </a:p>
+          <a:p>
+            <a:pPr lvl="1"/>
+            <a:r>
+              <a:rPr lang="en-GB" sz="2000"/>
+              <a:t>SD storage space to store your media, documents, downloads, pictures, videos, ROMs etc. </a:t>
+            </a:r>
+          </a:p>
+          <a:p>
+            <a:pPr lvl="1"/>
+            <a:r>
+              <a:rPr lang="en-GB" sz="2000"/>
+              <a:t>a </a:t>
+            </a:r>
+            <a:r>
+              <a:rPr lang="en-GB" sz="2000" err="1"/>
+              <a:t>symlink</a:t>
+            </a:r>
+            <a:r>
+              <a:rPr lang="en-GB" sz="2000"/>
+              <a:t> to </a:t>
+            </a:r>
+            <a:r>
+              <a:rPr lang="en-GB" sz="2000" i="1">
+                <a:solidFill>
+                  <a:srgbClr val="FF0000"/>
+                </a:solidFill>
+              </a:rPr>
+              <a:t>/storage/emulated/0 </a:t>
+            </a:r>
+            <a:r>
+              <a:rPr lang="en-GB" sz="2000"/>
+              <a:t>(</a:t>
+            </a:r>
+            <a:r>
+              <a:rPr lang="en-GB" sz="2100"/>
+              <a:t>for </a:t>
+            </a:r>
+            <a:r>
+              <a:rPr lang="en-US" sz="2100"/>
+              <a:t>compatibility)</a:t>
+            </a:r>
+            <a:endParaRPr lang="en-GB" sz="2100"/>
+          </a:p>
+          <a:p>
+            <a:r>
+              <a:rPr lang="en-GB" sz="2400">
+                <a:solidFill>
+                  <a:srgbClr val="FF0000"/>
+                </a:solidFill>
+              </a:rPr>
+              <a:t>/</a:t>
+            </a:r>
+            <a:r>
+              <a:rPr lang="en-GB" sz="2400" err="1">
+                <a:solidFill>
+                  <a:srgbClr val="FF0000"/>
+                </a:solidFill>
+              </a:rPr>
+              <a:t>sd-ext</a:t>
+            </a:r>
+            <a:endParaRPr lang="en-GB" sz="2400">
+              <a:solidFill>
+                <a:srgbClr val="FF0000"/>
+              </a:solidFill>
+            </a:endParaRPr>
+          </a:p>
+          <a:p>
+            <a:pPr lvl="1"/>
+            <a:r>
+              <a:rPr lang="en-GB" sz="2000"/>
+              <a:t>not a standard Android partition, but has become popular in the custom ROM scene</a:t>
+            </a:r>
+          </a:p>
+          <a:p>
+            <a:pPr lvl="1"/>
+            <a:r>
+              <a:rPr lang="en-GB" sz="2000"/>
+              <a:t>an additional partition on your SD card that acts as the </a:t>
+            </a:r>
+            <a:r>
+              <a:rPr lang="en-GB" sz="2000">
+                <a:solidFill>
+                  <a:srgbClr val="FF0000"/>
+                </a:solidFill>
+              </a:rPr>
+              <a:t>/data </a:t>
+            </a:r>
+            <a:r>
+              <a:rPr lang="en-GB" sz="2000"/>
+              <a:t>partition when used with certain ROMs that have special features called APP2SD+ or data2ext enabled. </a:t>
+            </a:r>
+          </a:p>
+          <a:p>
+            <a:r>
+              <a:rPr lang="en-GB" sz="2400">
+                <a:solidFill>
+                  <a:srgbClr val="FF0000"/>
+                </a:solidFill>
+              </a:rPr>
+              <a:t>/Product</a:t>
+            </a:r>
+          </a:p>
+          <a:p>
+            <a:pPr lvl="1"/>
+            <a:r>
+              <a:rPr lang="en-GB" sz="2100"/>
+              <a:t>contain customizations (e.g., </a:t>
+            </a:r>
+            <a:r>
+              <a:rPr lang="en-US" sz="2100"/>
+              <a:t>locales or carriers ) </a:t>
+            </a:r>
+            <a:r>
+              <a:rPr lang="en-GB" sz="2100"/>
+              <a:t>makes Android possible to use a single system image for multiple software</a:t>
+            </a:r>
+          </a:p>
+          <a:p>
+            <a:r>
+              <a:rPr lang="en-GB" sz="2400">
+                <a:solidFill>
+                  <a:srgbClr val="FF0000"/>
+                </a:solidFill>
+              </a:rPr>
+              <a:t>/</a:t>
+            </a:r>
+            <a:r>
+              <a:rPr lang="en-US" sz="2400">
+                <a:solidFill>
+                  <a:srgbClr val="FF0000"/>
+                </a:solidFill>
+              </a:rPr>
+              <a:t>vendor</a:t>
+            </a:r>
+          </a:p>
+          <a:p>
+            <a:pPr lvl="1"/>
+            <a:r>
+              <a:rPr lang="en-US" sz="2000"/>
+              <a:t>vendor specific binary</a:t>
+            </a:r>
+            <a:endParaRPr lang="en-GB" sz="2000"/>
+          </a:p>
+          <a:p>
+            <a:pPr lvl="1"/>
+            <a:r>
+              <a:rPr lang="en-GB" sz="2000"/>
+              <a:t>contains any binary that isn't distributable to AOSP. </a:t>
+            </a:r>
+          </a:p>
+          <a:p>
+            <a:pPr lvl="1"/>
+            <a:r>
+              <a:rPr lang="en-GB" sz="2000"/>
+              <a:t>share code based on SoC (system on a chip)</a:t>
+            </a:r>
           </a:p>
         </p:txBody>
       </p:sp>
     </p:spTree>
     <p:extLst>
       <p:ext uri="{BB962C8B-B14F-4D97-AF65-F5344CB8AC3E}">
-        <p14:creationId xmlns:p14="http://schemas.microsoft.com/office/powerpoint/2010/main" val="1151958853"/>
+        <p14:creationId xmlns:p14="http://schemas.microsoft.com/office/powerpoint/2010/main" val="3873850888"/>
       </p:ext>
     </p:extLst>
   </p:cSld>
@@ -15797,6 +16974,89 @@
           <p:cNvPr id="4" name="Title 3">
             <a:extLst>
               <a:ext uri="{FF2B5EF4-FFF2-40B4-BE49-F238E27FC236}">
+                <a16:creationId xmlns:a16="http://schemas.microsoft.com/office/drawing/2014/main" id="{39DA6231-6EE4-4B4C-AD8B-E8EF9D7862EB}"/>
+              </a:ext>
+            </a:extLst>
+          </p:cNvPr>
+          <p:cNvSpPr>
+            <a:spLocks noGrp="1"/>
+          </p:cNvSpPr>
+          <p:nvPr>
+            <p:ph type="title"/>
+          </p:nvPr>
+        </p:nvSpPr>
+        <p:spPr/>
+        <p:txBody>
+          <a:bodyPr/>
+          <a:lstStyle/>
+          <a:p>
+            <a:r>
+              <a:rPr lang="en-US"/>
+              <a:t>Acquisition</a:t>
+            </a:r>
+          </a:p>
+        </p:txBody>
+      </p:sp>
+      <p:sp>
+        <p:nvSpPr>
+          <p:cNvPr id="5" name="Text Placeholder 4">
+            <a:extLst>
+              <a:ext uri="{FF2B5EF4-FFF2-40B4-BE49-F238E27FC236}">
+                <a16:creationId xmlns:a16="http://schemas.microsoft.com/office/drawing/2014/main" id="{653F56D8-D8A0-48BC-9F4A-DD781FC269C0}"/>
+              </a:ext>
+            </a:extLst>
+          </p:cNvPr>
+          <p:cNvSpPr>
+            <a:spLocks noGrp="1"/>
+          </p:cNvSpPr>
+          <p:nvPr>
+            <p:ph type="body" idx="1"/>
+          </p:nvPr>
+        </p:nvSpPr>
+        <p:spPr/>
+        <p:txBody>
+          <a:bodyPr/>
+          <a:lstStyle/>
+          <a:p>
+            <a:endParaRPr lang="en-US"/>
+          </a:p>
+        </p:txBody>
+      </p:sp>
+    </p:spTree>
+    <p:extLst>
+      <p:ext uri="{BB962C8B-B14F-4D97-AF65-F5344CB8AC3E}">
+        <p14:creationId xmlns:p14="http://schemas.microsoft.com/office/powerpoint/2010/main" val="1151958853"/>
+      </p:ext>
+    </p:extLst>
+  </p:cSld>
+  <p:clrMapOvr>
+    <a:masterClrMapping/>
+  </p:clrMapOvr>
+</p:sld>
+</file>
+
+<file path=ppt/slides/slide37.xml><?xml version="1.0" encoding="utf-8"?>
+<p:sld xmlns:a="http://schemas.openxmlformats.org/drawingml/2006/main" xmlns:r="http://schemas.openxmlformats.org/officeDocument/2006/relationships" xmlns:p="http://schemas.openxmlformats.org/presentationml/2006/main">
+  <p:cSld>
+    <p:spTree>
+      <p:nvGrpSpPr>
+        <p:cNvPr id="1" name=""/>
+        <p:cNvGrpSpPr/>
+        <p:nvPr/>
+      </p:nvGrpSpPr>
+      <p:grpSpPr>
+        <a:xfrm>
+          <a:off x="0" y="0"/>
+          <a:ext cx="0" cy="0"/>
+          <a:chOff x="0" y="0"/>
+          <a:chExt cx="0" cy="0"/>
+        </a:xfrm>
+      </p:grpSpPr>
+      <p:sp>
+        <p:nvSpPr>
+          <p:cNvPr id="4" name="Title 3">
+            <a:extLst>
+              <a:ext uri="{FF2B5EF4-FFF2-40B4-BE49-F238E27FC236}">
                 <a16:creationId xmlns:a16="http://schemas.microsoft.com/office/drawing/2014/main" id="{B8319F98-BCED-4034-A0D6-A82AAFFCBF88}"/>
               </a:ext>
             </a:extLst>
@@ -15885,7 +17145,7 @@
 </p:sld>
 </file>
 
-<file path=ppt/slides/slide37.xml><?xml version="1.0" encoding="utf-8"?>
+<file path=ppt/slides/slide38.xml><?xml version="1.0" encoding="utf-8"?>
 <p:sld xmlns:a="http://schemas.openxmlformats.org/drawingml/2006/main" xmlns:r="http://schemas.openxmlformats.org/officeDocument/2006/relationships" xmlns:p="http://schemas.openxmlformats.org/presentationml/2006/main">
   <p:cSld>
     <p:spTree>
@@ -16729,8 +17989,8 @@
         </p:blipFill>
         <p:spPr bwMode="auto">
           <a:xfrm>
-            <a:off x="5958840" y="1825625"/>
-            <a:ext cx="4770756" cy="3578067"/>
+            <a:off x="5958840" y="1357473"/>
+            <a:ext cx="5394960" cy="4046220"/>
           </a:xfrm>
           <a:prstGeom prst="rect">
             <a:avLst/>
@@ -17401,8 +18661,8 @@
         </p:blipFill>
         <p:spPr>
           <a:xfrm>
-            <a:off x="5197672" y="643466"/>
-            <a:ext cx="5939987" cy="5568739"/>
+            <a:off x="4216526" y="50674"/>
+            <a:ext cx="7261146" cy="6807326"/>
           </a:xfrm>
           <a:prstGeom prst="rect">
             <a:avLst/>
@@ -17423,8 +18683,8 @@
         </p:nvSpPr>
         <p:spPr>
           <a:xfrm>
-            <a:off x="2651760" y="0"/>
-            <a:ext cx="2453640" cy="1384995"/>
+            <a:off x="800100" y="97971"/>
+            <a:ext cx="3007179" cy="954107"/>
           </a:xfrm>
           <a:prstGeom prst="rect">
             <a:avLst/>
@@ -17443,7 +18703,7 @@
           <a:lstStyle/>
           <a:p>
             <a:r>
-              <a:rPr lang="en-GB" sz="1400">
+              <a:rPr lang="en-GB" sz="1400" dirty="0">
                 <a:solidFill>
                   <a:srgbClr val="FF0000"/>
                 </a:solidFill>
@@ -17451,10 +18711,10 @@
               <a:t>build ID </a:t>
             </a:r>
             <a:r>
-              <a:rPr lang="en-GB" sz="1400"/>
+              <a:rPr lang="en-GB" sz="1400" dirty="0"/>
               <a:t>provides information such as the platform release, code branch, and date the release was branched from or synced with the development branch.</a:t>
             </a:r>
-            <a:endParaRPr lang="en-US" sz="1400"/>
+            <a:endParaRPr lang="en-US" sz="1400" dirty="0"/>
           </a:p>
         </p:txBody>
       </p:sp>
@@ -17468,14 +18728,15 @@
             </a:extLst>
           </p:cNvPr>
           <p:cNvCxnSpPr>
+            <a:cxnSpLocks/>
             <a:stCxn id="8" idx="2"/>
           </p:cNvCxnSpPr>
           <p:nvPr/>
         </p:nvCxnSpPr>
         <p:spPr>
           <a:xfrm>
-            <a:off x="3878580" y="1384995"/>
-            <a:ext cx="1402080" cy="885765"/>
+            <a:off x="2303690" y="1052078"/>
+            <a:ext cx="1912836" cy="1291072"/>
           </a:xfrm>
           <a:prstGeom prst="straightConnector1">
             <a:avLst/>

--- a/Andriod10/0_Intro_Pixel3_Andriod10.pptx
+++ b/Andriod10/0_Intro_Pixel3_Andriod10.pptx
@@ -155,7 +155,7 @@
 <file path=ppt/revisionInfo.xml><?xml version="1.0" encoding="utf-8"?>
 <p1510:revInfo xmlns:a="http://schemas.openxmlformats.org/drawingml/2006/main" xmlns:r="http://schemas.openxmlformats.org/officeDocument/2006/relationships" xmlns:p1510="http://schemas.microsoft.com/office/powerpoint/2015/10/main">
   <p1510:revLst>
-    <p1510:client id="{1E9D9EEB-2280-48C5-986B-B1BED2CFB035}" v="21" dt="2025-02-01T02:33:10.292"/>
+    <p1510:client id="{1E9D9EEB-2280-48C5-986B-B1BED2CFB035}" v="22" dt="2025-02-07T16:01:41.120"/>
   </p1510:revLst>
 </p1510:revInfo>
 </file>
@@ -1183,7 +1183,7 @@
   <pc:docChgLst>
     <pc:chgData name="Weifeng Xu" userId="e7aed605-a3dd-4d5a-a692-a87037af107b" providerId="ADAL" clId="{1E9D9EEB-2280-48C5-986B-B1BED2CFB035}"/>
     <pc:docChg chg="undo custSel addSld delSld modSld sldOrd">
-      <pc:chgData name="Weifeng Xu" userId="e7aed605-a3dd-4d5a-a692-a87037af107b" providerId="ADAL" clId="{1E9D9EEB-2280-48C5-986B-B1BED2CFB035}" dt="2025-02-01T17:21:46.270" v="1370" actId="1036"/>
+      <pc:chgData name="Weifeng Xu" userId="e7aed605-a3dd-4d5a-a692-a87037af107b" providerId="ADAL" clId="{1E9D9EEB-2280-48C5-986B-B1BED2CFB035}" dt="2025-02-10T03:19:40.202" v="1397" actId="20577"/>
       <pc:docMkLst>
         <pc:docMk/>
       </pc:docMkLst>
@@ -1418,14 +1418,14 @@
           </ac:cxnSpMkLst>
         </pc:cxnChg>
       </pc:sldChg>
-      <pc:sldChg chg="modSp mod">
-        <pc:chgData name="Weifeng Xu" userId="e7aed605-a3dd-4d5a-a692-a87037af107b" providerId="ADAL" clId="{1E9D9EEB-2280-48C5-986B-B1BED2CFB035}" dt="2025-02-01T16:15:40.211" v="1257" actId="27636"/>
+      <pc:sldChg chg="modSp mod modNotesTx">
+        <pc:chgData name="Weifeng Xu" userId="e7aed605-a3dd-4d5a-a692-a87037af107b" providerId="ADAL" clId="{1E9D9EEB-2280-48C5-986B-B1BED2CFB035}" dt="2025-02-07T16:02:04.704" v="1386" actId="207"/>
         <pc:sldMkLst>
           <pc:docMk/>
           <pc:sldMk cId="4015681537" sldId="316"/>
         </pc:sldMkLst>
         <pc:spChg chg="mod">
-          <ac:chgData name="Weifeng Xu" userId="e7aed605-a3dd-4d5a-a692-a87037af107b" providerId="ADAL" clId="{1E9D9EEB-2280-48C5-986B-B1BED2CFB035}" dt="2025-02-01T16:15:40.211" v="1257" actId="27636"/>
+          <ac:chgData name="Weifeng Xu" userId="e7aed605-a3dd-4d5a-a692-a87037af107b" providerId="ADAL" clId="{1E9D9EEB-2280-48C5-986B-B1BED2CFB035}" dt="2025-02-07T16:02:04.704" v="1386" actId="207"/>
           <ac:spMkLst>
             <pc:docMk/>
             <pc:sldMk cId="4015681537" sldId="316"/>
@@ -1540,13 +1540,13 @@
         </pc:spChg>
       </pc:sldChg>
       <pc:sldChg chg="modSp mod">
-        <pc:chgData name="Weifeng Xu" userId="e7aed605-a3dd-4d5a-a692-a87037af107b" providerId="ADAL" clId="{1E9D9EEB-2280-48C5-986B-B1BED2CFB035}" dt="2025-02-01T02:13:40.742" v="1169" actId="20577"/>
+        <pc:chgData name="Weifeng Xu" userId="e7aed605-a3dd-4d5a-a692-a87037af107b" providerId="ADAL" clId="{1E9D9EEB-2280-48C5-986B-B1BED2CFB035}" dt="2025-02-10T03:19:40.202" v="1397" actId="20577"/>
         <pc:sldMkLst>
           <pc:docMk/>
           <pc:sldMk cId="4060086368" sldId="329"/>
         </pc:sldMkLst>
         <pc:spChg chg="mod">
-          <ac:chgData name="Weifeng Xu" userId="e7aed605-a3dd-4d5a-a692-a87037af107b" providerId="ADAL" clId="{1E9D9EEB-2280-48C5-986B-B1BED2CFB035}" dt="2025-02-01T02:13:40.742" v="1169" actId="20577"/>
+          <ac:chgData name="Weifeng Xu" userId="e7aed605-a3dd-4d5a-a692-a87037af107b" providerId="ADAL" clId="{1E9D9EEB-2280-48C5-986B-B1BED2CFB035}" dt="2025-02-10T03:19:40.202" v="1397" actId="20577"/>
           <ac:spMkLst>
             <pc:docMk/>
             <pc:sldMk cId="4060086368" sldId="329"/>
@@ -1668,14 +1668,6 @@
             <ac:spMk id="3" creationId="{22D7A47B-75F1-C169-F32E-7CD228381357}"/>
           </ac:spMkLst>
         </pc:spChg>
-        <pc:spChg chg="add del">
-          <ac:chgData name="Weifeng Xu" userId="e7aed605-a3dd-4d5a-a692-a87037af107b" providerId="ADAL" clId="{1E9D9EEB-2280-48C5-986B-B1BED2CFB035}" dt="2025-02-01T02:32:15.783" v="1171" actId="11529"/>
-          <ac:spMkLst>
-            <pc:docMk/>
-            <pc:sldMk cId="868638738" sldId="339"/>
-            <ac:spMk id="4" creationId="{F84C3819-7103-075F-A648-F567012D0168}"/>
-          </ac:spMkLst>
-        </pc:spChg>
         <pc:spChg chg="add">
           <ac:chgData name="Weifeng Xu" userId="e7aed605-a3dd-4d5a-a692-a87037af107b" providerId="ADAL" clId="{1E9D9EEB-2280-48C5-986B-B1BED2CFB035}" dt="2025-02-01T02:32:23.849" v="1172" actId="11529"/>
           <ac:spMkLst>
@@ -1738,30 +1730,6 @@
           <pc:docMk/>
           <pc:sldMk cId="3304035788" sldId="341"/>
         </pc:sldMkLst>
-        <pc:spChg chg="del mod ord">
-          <ac:chgData name="Weifeng Xu" userId="e7aed605-a3dd-4d5a-a692-a87037af107b" providerId="ADAL" clId="{1E9D9EEB-2280-48C5-986B-B1BED2CFB035}" dt="2025-02-01T17:16:01.802" v="1259" actId="700"/>
-          <ac:spMkLst>
-            <pc:docMk/>
-            <pc:sldMk cId="3304035788" sldId="341"/>
-            <ac:spMk id="2" creationId="{CDCB97F1-B702-0D63-BB14-393F023BB8CB}"/>
-          </ac:spMkLst>
-        </pc:spChg>
-        <pc:spChg chg="del">
-          <ac:chgData name="Weifeng Xu" userId="e7aed605-a3dd-4d5a-a692-a87037af107b" providerId="ADAL" clId="{1E9D9EEB-2280-48C5-986B-B1BED2CFB035}" dt="2025-02-01T17:16:01.802" v="1259" actId="700"/>
-          <ac:spMkLst>
-            <pc:docMk/>
-            <pc:sldMk cId="3304035788" sldId="341"/>
-            <ac:spMk id="3" creationId="{BB03849E-5F6D-6414-8F19-0BB3D7A21CE9}"/>
-          </ac:spMkLst>
-        </pc:spChg>
-        <pc:spChg chg="add del mod ord">
-          <ac:chgData name="Weifeng Xu" userId="e7aed605-a3dd-4d5a-a692-a87037af107b" providerId="ADAL" clId="{1E9D9EEB-2280-48C5-986B-B1BED2CFB035}" dt="2025-02-01T17:16:12.997" v="1260" actId="700"/>
-          <ac:spMkLst>
-            <pc:docMk/>
-            <pc:sldMk cId="3304035788" sldId="341"/>
-            <ac:spMk id="4" creationId="{08B9FF37-13E4-FFC4-B710-062BF57DBD21}"/>
-          </ac:spMkLst>
-        </pc:spChg>
         <pc:spChg chg="add mod">
           <ac:chgData name="Weifeng Xu" userId="e7aed605-a3dd-4d5a-a692-a87037af107b" providerId="ADAL" clId="{1E9D9EEB-2280-48C5-986B-B1BED2CFB035}" dt="2025-02-01T17:17:23.855" v="1274" actId="1076"/>
           <ac:spMkLst>
@@ -4841,7 +4809,7 @@
           <a:p>
             <a:fld id="{EE41F6E3-57F9-402E-BDBA-5B2DE11C8530}" type="datetimeFigureOut">
               <a:rPr lang="en-US" smtClean="0"/>
-              <a:t>2/1/2025</a:t>
+              <a:t>2/9/2025</a:t>
             </a:fld>
             <a:endParaRPr lang="en-US"/>
           </a:p>
@@ -6964,15 +6932,57 @@
           <a:lstStyle/>
           <a:p>
             <a:r>
-              <a:rPr lang="en-US"/>
+              <a:rPr lang="en-US" dirty="0"/>
               <a:t>https://medium.com/android-news/closer-look-at-android-runtime-dvm-vs-art-1dc5240c3924</a:t>
             </a:r>
           </a:p>
           <a:p>
             <a:r>
-              <a:rPr lang="en-US"/>
+              <a:rPr lang="en-US" dirty="0"/>
               <a:t>https://stackoverflow.com/questions/28435860/what-does-oat-mean</a:t>
             </a:r>
+          </a:p>
+          <a:p>
+            <a:endParaRPr lang="en-US" dirty="0"/>
+          </a:p>
+          <a:p>
+            <a:r>
+              <a:rPr lang="en-GB" dirty="0"/>
+              <a:t>The </a:t>
+            </a:r>
+            <a:r>
+              <a:rPr lang="en-GB" b="1" dirty="0"/>
+              <a:t>Dalvik Virtual Machine (DVM)</a:t>
+            </a:r>
+            <a:r>
+              <a:rPr lang="en-GB" dirty="0"/>
+              <a:t> was named after the </a:t>
+            </a:r>
+            <a:r>
+              <a:rPr lang="en-GB" b="1" dirty="0"/>
+              <a:t>Dalvik village</a:t>
+            </a:r>
+            <a:r>
+              <a:rPr lang="en-GB" dirty="0"/>
+              <a:t> in </a:t>
+            </a:r>
+            <a:r>
+              <a:rPr lang="en-GB" b="1" dirty="0"/>
+              <a:t>Iceland</a:t>
+            </a:r>
+            <a:r>
+              <a:rPr lang="en-GB" dirty="0"/>
+              <a:t>, which is the hometown of </a:t>
+            </a:r>
+            <a:r>
+              <a:rPr lang="en-GB" b="1" dirty="0"/>
+              <a:t>Dan Bornstein</a:t>
+            </a:r>
+            <a:r>
+              <a:rPr lang="en-GB" dirty="0"/>
+              <a:t>, the Google engineer who led the development of Dalvik.</a:t>
+            </a:r>
+            <a:endParaRPr lang="en-US" dirty="0"/>
           </a:p>
         </p:txBody>
       </p:sp>
@@ -7321,7 +7331,7 @@
           <a:p>
             <a:fld id="{4263717A-E3C1-4BED-ABE0-B7069385E023}" type="datetimeFigureOut">
               <a:rPr lang="en-US" smtClean="0"/>
-              <a:t>2/1/2025</a:t>
+              <a:t>2/9/2025</a:t>
             </a:fld>
             <a:endParaRPr lang="en-US"/>
           </a:p>
@@ -7494,7 +7504,7 @@
           <a:p>
             <a:fld id="{4263717A-E3C1-4BED-ABE0-B7069385E023}" type="datetimeFigureOut">
               <a:rPr lang="en-US" smtClean="0"/>
-              <a:t>2/1/2025</a:t>
+              <a:t>2/9/2025</a:t>
             </a:fld>
             <a:endParaRPr lang="en-US"/>
           </a:p>
@@ -7672,7 +7682,7 @@
           <a:p>
             <a:fld id="{4263717A-E3C1-4BED-ABE0-B7069385E023}" type="datetimeFigureOut">
               <a:rPr lang="en-US" smtClean="0"/>
-              <a:t>2/1/2025</a:t>
+              <a:t>2/9/2025</a:t>
             </a:fld>
             <a:endParaRPr lang="en-US"/>
           </a:p>
@@ -7840,7 +7850,7 @@
           <a:p>
             <a:fld id="{4263717A-E3C1-4BED-ABE0-B7069385E023}" type="datetimeFigureOut">
               <a:rPr lang="en-US" smtClean="0"/>
-              <a:t>2/1/2025</a:t>
+              <a:t>2/9/2025</a:t>
             </a:fld>
             <a:endParaRPr lang="en-US"/>
           </a:p>
@@ -8085,7 +8095,7 @@
           <a:p>
             <a:fld id="{4263717A-E3C1-4BED-ABE0-B7069385E023}" type="datetimeFigureOut">
               <a:rPr lang="en-US" smtClean="0"/>
-              <a:t>2/1/2025</a:t>
+              <a:t>2/9/2025</a:t>
             </a:fld>
             <a:endParaRPr lang="en-US"/>
           </a:p>
@@ -8314,7 +8324,7 @@
           <a:p>
             <a:fld id="{4263717A-E3C1-4BED-ABE0-B7069385E023}" type="datetimeFigureOut">
               <a:rPr lang="en-US" smtClean="0"/>
-              <a:t>2/1/2025</a:t>
+              <a:t>2/9/2025</a:t>
             </a:fld>
             <a:endParaRPr lang="en-US"/>
           </a:p>
@@ -8678,7 +8688,7 @@
           <a:p>
             <a:fld id="{4263717A-E3C1-4BED-ABE0-B7069385E023}" type="datetimeFigureOut">
               <a:rPr lang="en-US" smtClean="0"/>
-              <a:t>2/1/2025</a:t>
+              <a:t>2/9/2025</a:t>
             </a:fld>
             <a:endParaRPr lang="en-US"/>
           </a:p>
@@ -8795,7 +8805,7 @@
           <a:p>
             <a:fld id="{4263717A-E3C1-4BED-ABE0-B7069385E023}" type="datetimeFigureOut">
               <a:rPr lang="en-US" smtClean="0"/>
-              <a:t>2/1/2025</a:t>
+              <a:t>2/9/2025</a:t>
             </a:fld>
             <a:endParaRPr lang="en-US"/>
           </a:p>
@@ -8890,7 +8900,7 @@
           <a:p>
             <a:fld id="{4263717A-E3C1-4BED-ABE0-B7069385E023}" type="datetimeFigureOut">
               <a:rPr lang="en-US" smtClean="0"/>
-              <a:t>2/1/2025</a:t>
+              <a:t>2/9/2025</a:t>
             </a:fld>
             <a:endParaRPr lang="en-US"/>
           </a:p>
@@ -9165,7 +9175,7 @@
           <a:p>
             <a:fld id="{4263717A-E3C1-4BED-ABE0-B7069385E023}" type="datetimeFigureOut">
               <a:rPr lang="en-US" smtClean="0"/>
-              <a:t>2/1/2025</a:t>
+              <a:t>2/9/2025</a:t>
             </a:fld>
             <a:endParaRPr lang="en-US"/>
           </a:p>
@@ -9417,7 +9427,7 @@
           <a:p>
             <a:fld id="{4263717A-E3C1-4BED-ABE0-B7069385E023}" type="datetimeFigureOut">
               <a:rPr lang="en-US" smtClean="0"/>
-              <a:t>2/1/2025</a:t>
+              <a:t>2/9/2025</a:t>
             </a:fld>
             <a:endParaRPr lang="en-US"/>
           </a:p>
@@ -9628,7 +9638,7 @@
           <a:p>
             <a:fld id="{4263717A-E3C1-4BED-ABE0-B7069385E023}" type="datetimeFigureOut">
               <a:rPr lang="en-US" smtClean="0"/>
-              <a:t>2/1/2025</a:t>
+              <a:t>2/9/2025</a:t>
             </a:fld>
             <a:endParaRPr lang="en-US"/>
           </a:p>
@@ -10335,75 +10345,75 @@
           <a:lstStyle/>
           <a:p>
             <a:r>
-              <a:rPr lang="en-US"/>
+              <a:rPr lang="en-US" dirty="0"/>
               <a:t>Unmodified version of Android</a:t>
             </a:r>
           </a:p>
           <a:p>
             <a:pPr lvl="1"/>
             <a:r>
-              <a:rPr lang="en-GB"/>
+              <a:rPr lang="en-GB" dirty="0"/>
               <a:t>known as vanilla or pure Android</a:t>
             </a:r>
           </a:p>
           <a:p>
             <a:r>
-              <a:rPr lang="en-US"/>
+              <a:rPr lang="en-US" dirty="0"/>
               <a:t>Companies can modify Android</a:t>
             </a:r>
           </a:p>
           <a:p>
             <a:pPr lvl="1"/>
             <a:r>
-              <a:rPr lang="en-GB"/>
+              <a:rPr lang="en-GB" dirty="0"/>
               <a:t>adding a custom skin</a:t>
             </a:r>
           </a:p>
           <a:p>
             <a:pPr lvl="1"/>
             <a:r>
-              <a:rPr lang="en-GB"/>
+              <a:rPr lang="en-GB" dirty="0"/>
               <a:t>new features. </a:t>
             </a:r>
           </a:p>
           <a:p>
             <a:r>
-              <a:rPr lang="en-GB"/>
+              <a:rPr lang="en-GB" dirty="0"/>
               <a:t>Popular skins</a:t>
             </a:r>
           </a:p>
           <a:p>
             <a:pPr lvl="1"/>
             <a:r>
-              <a:rPr lang="en-GB"/>
+              <a:rPr lang="en-GB" dirty="0"/>
               <a:t>Samsung Experience, </a:t>
             </a:r>
           </a:p>
           <a:p>
             <a:pPr lvl="1"/>
             <a:r>
-              <a:rPr lang="en-GB"/>
+              <a:rPr lang="en-GB" dirty="0"/>
               <a:t>HTC Sense, </a:t>
             </a:r>
           </a:p>
           <a:p>
             <a:pPr lvl="1"/>
             <a:r>
-              <a:rPr lang="en-GB"/>
+              <a:rPr lang="en-GB" dirty="0"/>
               <a:t>EMUI (Huawei), and </a:t>
             </a:r>
           </a:p>
           <a:p>
             <a:pPr lvl="1"/>
             <a:r>
-              <a:rPr lang="en-GB" err="1"/>
+              <a:rPr lang="en-GB" dirty="0" err="1"/>
               <a:t>OxygenOS</a:t>
             </a:r>
             <a:r>
-              <a:rPr lang="en-GB"/>
+              <a:rPr lang="en-GB" dirty="0"/>
               <a:t> (OnePlus)</a:t>
             </a:r>
-            <a:endParaRPr lang="en-US"/>
+            <a:endParaRPr lang="en-US" dirty="0"/>
           </a:p>
         </p:txBody>
       </p:sp>
@@ -10534,21 +10544,21 @@
           <a:lstStyle/>
           <a:p>
             <a:r>
-              <a:rPr lang="en-US"/>
+              <a:rPr lang="en-US" dirty="0"/>
               <a:t>Advantages</a:t>
             </a:r>
           </a:p>
           <a:p>
             <a:pPr lvl="1"/>
             <a:r>
-              <a:rPr lang="en-US"/>
+              <a:rPr lang="en-US" dirty="0"/>
               <a:t>Fast updates</a:t>
             </a:r>
           </a:p>
           <a:p>
             <a:pPr lvl="1"/>
             <a:r>
-              <a:rPr lang="en-US">
+              <a:rPr lang="en-US" dirty="0">
                 <a:solidFill>
                   <a:srgbClr val="424242"/>
                 </a:solidFill>
@@ -10557,7 +10567,7 @@
               <a:t>B</a:t>
             </a:r>
             <a:r>
-              <a:rPr lang="en-US" b="0" i="0">
+              <a:rPr lang="en-US" b="0" i="0" dirty="0">
                 <a:solidFill>
                   <a:srgbClr val="424242"/>
                 </a:solidFill>
@@ -10567,7 +10577,7 @@
               <a:t>loatware-free: pre-installed  software </a:t>
             </a:r>
             <a:r>
-              <a:rPr lang="en-GB" b="0" i="0">
+              <a:rPr lang="en-GB" b="0" i="0" dirty="0">
                 <a:solidFill>
                   <a:srgbClr val="424242"/>
                 </a:solidFill>
@@ -10579,7 +10589,7 @@
           </a:p>
           <a:p>
             <a:r>
-              <a:rPr lang="en-GB" b="0" i="0">
+              <a:rPr lang="en-GB" b="0" i="0" dirty="0">
                 <a:solidFill>
                   <a:srgbClr val="424242"/>
                 </a:solidFill>
@@ -10592,7 +10602,7 @@
           <a:p>
             <a:pPr lvl="1"/>
             <a:r>
-              <a:rPr lang="en-GB">
+              <a:rPr lang="en-GB" dirty="0">
                 <a:solidFill>
                   <a:srgbClr val="424242"/>
                 </a:solidFill>
@@ -10604,7 +10614,7 @@
           <a:p>
             <a:pPr lvl="1"/>
             <a:r>
-              <a:rPr lang="en-GB">
+              <a:rPr lang="en-GB" dirty="0">
                 <a:solidFill>
                   <a:srgbClr val="424242"/>
                 </a:solidFill>
@@ -10613,7 +10623,7 @@
               <a:t>Pixel</a:t>
             </a:r>
             <a:r>
-              <a:rPr lang="en-GB" b="0" i="0">
+              <a:rPr lang="en-GB" b="0" i="0" dirty="0">
                 <a:solidFill>
                   <a:srgbClr val="424242"/>
                 </a:solidFill>
@@ -10625,7 +10635,7 @@
           </a:p>
           <a:p>
             <a:r>
-              <a:rPr lang="en-GB" b="0" i="0">
+              <a:rPr lang="en-GB" b="0" i="0" dirty="0">
                 <a:solidFill>
                   <a:srgbClr val="424242"/>
                 </a:solidFill>
@@ -10638,7 +10648,7 @@
           <a:p>
             <a:pPr lvl="1"/>
             <a:r>
-              <a:rPr lang="en-GB" b="0" i="0">
+              <a:rPr lang="en-GB" b="0" i="0" dirty="0">
                 <a:solidFill>
                   <a:srgbClr val="424242"/>
                 </a:solidFill>
@@ -10648,7 +10658,7 @@
               <a:t>as of November 2020 (</a:t>
             </a:r>
             <a:r>
-              <a:rPr lang="en-US" b="0" i="1" u="none" strike="noStrike" err="1">
+              <a:rPr lang="en-US" b="0" i="1" u="none" strike="noStrike" dirty="0" err="1">
                 <a:solidFill>
                   <a:srgbClr val="00D49F"/>
                 </a:solidFill>
@@ -10659,7 +10669,7 @@
               <a:t>StatCounter</a:t>
             </a:r>
             <a:r>
-              <a:rPr lang="en-GB" b="0" i="0">
+              <a:rPr lang="en-GB" b="0" i="0" dirty="0">
                 <a:solidFill>
                   <a:srgbClr val="424242"/>
                 </a:solidFill>
@@ -10668,7 +10678,7 @@
               </a:rPr>
               <a:t>)</a:t>
             </a:r>
-            <a:endParaRPr lang="en-US" b="0" i="0">
+            <a:endParaRPr lang="en-US" b="0" i="0" dirty="0">
               <a:solidFill>
                 <a:srgbClr val="424242"/>
               </a:solidFill>
@@ -11281,7 +11291,7 @@
           <a:p>
             <a:pPr algn="ctr"/>
             <a:r>
-              <a:rPr lang="en-GB" sz="1400">
+              <a:rPr lang="en-GB" sz="1400" dirty="0">
                 <a:latin typeface="+mj-lt"/>
               </a:rPr>
               <a:t>Google Play Services </a:t>
@@ -11289,12 +11299,12 @@
           </a:p>
           <a:p>
             <a:r>
-              <a:rPr lang="en-GB" sz="1400">
+              <a:rPr lang="en-GB" sz="1400" dirty="0">
                 <a:latin typeface="+mj-lt"/>
               </a:rPr>
               <a:t>(Google Service Framework, GFS) </a:t>
             </a:r>
-            <a:endParaRPr lang="en-US" sz="1400">
+            <a:endParaRPr lang="en-US" sz="1400" dirty="0">
               <a:latin typeface="+mj-lt"/>
             </a:endParaRPr>
           </a:p>
@@ -11395,28 +11405,28 @@
           <a:lstStyle/>
           <a:p>
             <a:r>
-              <a:rPr lang="en-GB" sz="1100"/>
+              <a:rPr lang="en-GB" sz="1100" dirty="0"/>
               <a:t>1.Google Backup</a:t>
             </a:r>
           </a:p>
           <a:p>
             <a:r>
-              <a:rPr lang="en-GB" sz="1100"/>
+              <a:rPr lang="en-GB" sz="1100" dirty="0"/>
               <a:t>2.Play Store Services</a:t>
             </a:r>
           </a:p>
           <a:p>
             <a:r>
-              <a:rPr lang="en-GB" sz="1100"/>
+              <a:rPr lang="en-GB" sz="1100" dirty="0"/>
               <a:t>3.Contacts Sync</a:t>
             </a:r>
           </a:p>
           <a:p>
             <a:r>
-              <a:rPr lang="en-GB" sz="1100"/>
+              <a:rPr lang="en-GB" sz="1100" dirty="0"/>
               <a:t>4.Account Manager</a:t>
             </a:r>
-            <a:endParaRPr lang="en-US" sz="1100"/>
+            <a:endParaRPr lang="en-US" sz="1100" dirty="0"/>
           </a:p>
         </p:txBody>
       </p:sp>
@@ -11653,16 +11663,32 @@
               <a:t>: </a:t>
             </a:r>
             <a:r>
+              <a:rPr lang="en-US" sz="2400" dirty="0"/>
+              <a:t>o</a:t>
+            </a:r>
+            <a:r>
+              <a:rPr lang="en-GB" dirty="0" err="1"/>
+              <a:t>ptimized</a:t>
+            </a:r>
+            <a:r>
+              <a:rPr lang="en-GB" dirty="0"/>
+              <a:t> version of a Dalvik Executable </a:t>
+            </a:r>
+            <a:r>
               <a:rPr lang="en-GB" dirty="0">
                 <a:solidFill>
                   <a:srgbClr val="C00000"/>
                 </a:solidFill>
               </a:rPr>
-              <a:t>O</a:t>
-            </a:r>
-            <a:r>
-              <a:rPr lang="en-GB" dirty="0"/>
-              <a:t>f </a:t>
+              <a:t>(.</a:t>
+            </a:r>
+            <a:r>
+              <a:rPr lang="en-GB" dirty="0" err="1">
+                <a:solidFill>
+                  <a:srgbClr val="C00000"/>
+                </a:solidFill>
+              </a:rPr>
+              <a:t>dex</a:t>
             </a:r>
             <a:r>
               <a:rPr lang="en-GB" dirty="0">
@@ -11670,11 +11696,11 @@
                   <a:srgbClr val="C00000"/>
                 </a:solidFill>
               </a:rPr>
-              <a:t>A</a:t>
+              <a:t>) </a:t>
             </a:r>
             <a:r>
               <a:rPr lang="en-GB" dirty="0"/>
-              <a:t>head </a:t>
+              <a:t>file used in </a:t>
             </a:r>
             <a:r>
               <a:rPr lang="en-GB" dirty="0">
@@ -11682,23 +11708,7 @@
                   <a:srgbClr val="C00000"/>
                 </a:solidFill>
               </a:rPr>
-              <a:t>T</a:t>
-            </a:r>
-            <a:r>
-              <a:rPr lang="en-GB" dirty="0"/>
-              <a:t>ime, a reordering of </a:t>
-            </a:r>
-            <a:r>
-              <a:rPr lang="en-GB" dirty="0">
-                <a:solidFill>
-                  <a:srgbClr val="C00000"/>
-                </a:solidFill>
-              </a:rPr>
-              <a:t>AOT;</a:t>
-            </a:r>
-            <a:r>
-              <a:rPr lang="en-GB" dirty="0"/>
-              <a:t> After Android 5.0</a:t>
+              <a:t>ART</a:t>
             </a:r>
           </a:p>
           <a:p>
@@ -11713,7 +11723,7 @@
                   <a:srgbClr val="C00000"/>
                 </a:solidFill>
               </a:rPr>
-              <a:t>vdex</a:t>
+              <a:t>odex</a:t>
             </a:r>
             <a:r>
               <a:rPr lang="en-GB" dirty="0"/>
@@ -15351,7 +15361,15 @@
           <a:p>
             <a:r>
               <a:rPr lang="en-GB" dirty="0"/>
-              <a:t>Zygote enables code sharing across the Dalvik VM, achieving a lower memory footprint and minimal startup time.</a:t>
+              <a:t>Zygote </a:t>
+            </a:r>
+            <a:r>
+              <a:rPr lang="en-GB"/>
+              <a:t>enables library </a:t>
+            </a:r>
+            <a:r>
+              <a:rPr lang="en-GB" dirty="0"/>
+              <a:t>sharing across the Dalvik VM, achieving a lower memory footprint and minimal startup time.</a:t>
             </a:r>
           </a:p>
           <a:p>
